--- a/Các khái niệm cơ bản của PHP.pptx
+++ b/Các khái niệm cơ bản của PHP.pptx
@@ -3591,37 +3591,431 @@
             <p:ph type="title"/>
           </p:nvPr>
         </p:nvSpPr>
-        <p:spPr/>
-        <p:txBody>
-          <a:bodyPr/>
-          <a:lstStyle/>
-          <a:p>
-            <a:endParaRPr lang="en-US"/>
-          </a:p>
-        </p:txBody>
-      </p:sp>
-      <p:sp>
-        <p:nvSpPr>
-          <p:cNvPr id="3" name="Content Placeholder 2">
-            <a:extLst>
-              <a:ext uri="{FF2B5EF4-FFF2-40B4-BE49-F238E27FC236}">
-                <a16:creationId xmlns:a16="http://schemas.microsoft.com/office/drawing/2014/main" id="{D0F8CB63-299D-4206-B6C3-AE14CA22E6CE}"/>
-              </a:ext>
-            </a:extLst>
-          </p:cNvPr>
-          <p:cNvSpPr>
-            <a:spLocks noGrp="1"/>
-          </p:cNvSpPr>
-          <p:nvPr>
-            <p:ph idx="1"/>
-          </p:nvPr>
-        </p:nvSpPr>
-        <p:spPr/>
-        <p:txBody>
-          <a:bodyPr/>
-          <a:lstStyle/>
-          <a:p>
-            <a:endParaRPr lang="en-US"/>
+        <p:spPr>
+          <a:xfrm>
+            <a:off x="0" y="0"/>
+            <a:ext cx="10744200" cy="729762"/>
+          </a:xfrm>
+        </p:spPr>
+        <p:txBody>
+          <a:bodyPr/>
+          <a:lstStyle/>
+          <a:p>
+            <a:r>
+              <a:rPr lang="en-US" dirty="0" err="1" smtClean="0"/>
+              <a:t>Bài</a:t>
+            </a:r>
+            <a:r>
+              <a:rPr lang="en-US" dirty="0" smtClean="0"/>
+              <a:t> 6 : </a:t>
+            </a:r>
+            <a:r>
+              <a:rPr lang="en-US" dirty="0" err="1" smtClean="0"/>
+              <a:t>Biến</a:t>
+            </a:r>
+            <a:r>
+              <a:rPr lang="en-US" dirty="0" smtClean="0"/>
+              <a:t> </a:t>
+            </a:r>
+            <a:r>
+              <a:rPr lang="en-US" dirty="0" err="1" smtClean="0"/>
+              <a:t>trong</a:t>
+            </a:r>
+            <a:r>
+              <a:rPr lang="en-US" dirty="0" smtClean="0"/>
+              <a:t> PHP </a:t>
+            </a:r>
+            <a:endParaRPr lang="en-US" dirty="0"/>
+          </a:p>
+        </p:txBody>
+      </p:sp>
+      <p:pic>
+        <p:nvPicPr>
+          <p:cNvPr id="4" name="Picture 3"/>
+          <p:cNvPicPr>
+            <a:picLocks noChangeAspect="1"/>
+          </p:cNvPicPr>
+          <p:nvPr/>
+        </p:nvPicPr>
+        <p:blipFill>
+          <a:blip r:embed="rId2"/>
+          <a:stretch>
+            <a:fillRect/>
+          </a:stretch>
+        </p:blipFill>
+        <p:spPr>
+          <a:xfrm>
+            <a:off x="380319" y="1152774"/>
+            <a:ext cx="3886742" cy="1686160"/>
+          </a:xfrm>
+          <a:prstGeom prst="rect">
+            <a:avLst/>
+          </a:prstGeom>
+        </p:spPr>
+      </p:pic>
+      <p:sp>
+        <p:nvSpPr>
+          <p:cNvPr id="5" name="TextBox 4"/>
+          <p:cNvSpPr txBox="1"/>
+          <p:nvPr/>
+        </p:nvSpPr>
+        <p:spPr>
+          <a:xfrm>
+            <a:off x="5257800" y="1152774"/>
+            <a:ext cx="2681653" cy="369332"/>
+          </a:xfrm>
+          <a:prstGeom prst="rect">
+            <a:avLst/>
+          </a:prstGeom>
+          <a:noFill/>
+        </p:spPr>
+        <p:txBody>
+          <a:bodyPr wrap="square" rtlCol="0">
+            <a:spAutoFit/>
+          </a:bodyPr>
+          <a:lstStyle/>
+          <a:p>
+            <a:r>
+              <a:rPr lang="en-US" dirty="0" err="1" smtClean="0"/>
+              <a:t>Dấu</a:t>
+            </a:r>
+            <a:r>
+              <a:rPr lang="en-US" dirty="0" smtClean="0"/>
+              <a:t>  “$” + </a:t>
+            </a:r>
+            <a:r>
+              <a:rPr lang="en-US" dirty="0" err="1" smtClean="0"/>
+              <a:t>tên</a:t>
+            </a:r>
+            <a:r>
+              <a:rPr lang="en-US" dirty="0" smtClean="0"/>
+              <a:t> </a:t>
+            </a:r>
+            <a:r>
+              <a:rPr lang="en-US" dirty="0" err="1" smtClean="0"/>
+              <a:t>biến</a:t>
+            </a:r>
+            <a:r>
+              <a:rPr lang="en-US" dirty="0" smtClean="0"/>
+              <a:t>. </a:t>
+            </a:r>
+            <a:endParaRPr lang="en-US" dirty="0"/>
+          </a:p>
+        </p:txBody>
+      </p:sp>
+      <p:sp>
+        <p:nvSpPr>
+          <p:cNvPr id="6" name="TextBox 5"/>
+          <p:cNvSpPr txBox="1"/>
+          <p:nvPr/>
+        </p:nvSpPr>
+        <p:spPr>
+          <a:xfrm>
+            <a:off x="5257799" y="1575786"/>
+            <a:ext cx="6348047" cy="369332"/>
+          </a:xfrm>
+          <a:prstGeom prst="rect">
+            <a:avLst/>
+          </a:prstGeom>
+          <a:noFill/>
+        </p:spPr>
+        <p:txBody>
+          <a:bodyPr wrap="square" rtlCol="0">
+            <a:spAutoFit/>
+          </a:bodyPr>
+          <a:lstStyle/>
+          <a:p>
+            <a:r>
+              <a:rPr lang="en-US" dirty="0" err="1" smtClean="0"/>
+              <a:t>CHữ</a:t>
+            </a:r>
+            <a:r>
+              <a:rPr lang="en-US" dirty="0" smtClean="0"/>
+              <a:t> </a:t>
+            </a:r>
+            <a:r>
+              <a:rPr lang="en-US" dirty="0" err="1" smtClean="0"/>
+              <a:t>cái</a:t>
+            </a:r>
+            <a:r>
+              <a:rPr lang="en-US" dirty="0" smtClean="0"/>
+              <a:t> </a:t>
+            </a:r>
+            <a:r>
+              <a:rPr lang="en-US" dirty="0" err="1" smtClean="0"/>
+              <a:t>đầu</a:t>
+            </a:r>
+            <a:r>
+              <a:rPr lang="en-US" dirty="0" smtClean="0"/>
+              <a:t> </a:t>
+            </a:r>
+            <a:r>
+              <a:rPr lang="en-US" dirty="0" err="1" smtClean="0"/>
+              <a:t>tiên</a:t>
+            </a:r>
+            <a:r>
+              <a:rPr lang="en-US" dirty="0" smtClean="0"/>
+              <a:t> </a:t>
+            </a:r>
+            <a:r>
+              <a:rPr lang="en-US" dirty="0" err="1" smtClean="0"/>
+              <a:t>của</a:t>
+            </a:r>
+            <a:r>
+              <a:rPr lang="en-US" dirty="0" smtClean="0"/>
+              <a:t> </a:t>
+            </a:r>
+            <a:r>
+              <a:rPr lang="en-US" dirty="0" err="1" smtClean="0"/>
+              <a:t>tên</a:t>
+            </a:r>
+            <a:r>
+              <a:rPr lang="en-US" dirty="0" smtClean="0"/>
+              <a:t> </a:t>
+            </a:r>
+            <a:r>
+              <a:rPr lang="en-US" dirty="0" err="1" smtClean="0"/>
+              <a:t>biến</a:t>
+            </a:r>
+            <a:r>
+              <a:rPr lang="en-US" dirty="0" smtClean="0"/>
+              <a:t> </a:t>
+            </a:r>
+            <a:r>
+              <a:rPr lang="en-US" dirty="0" err="1" smtClean="0"/>
+              <a:t>thì</a:t>
+            </a:r>
+            <a:r>
+              <a:rPr lang="en-US" dirty="0" smtClean="0"/>
+              <a:t> </a:t>
+            </a:r>
+            <a:r>
+              <a:rPr lang="en-US" dirty="0" err="1" smtClean="0"/>
+              <a:t>phải</a:t>
+            </a:r>
+            <a:r>
+              <a:rPr lang="en-US" dirty="0" smtClean="0"/>
+              <a:t> </a:t>
+            </a:r>
+            <a:r>
+              <a:rPr lang="en-US" dirty="0" err="1" smtClean="0"/>
+              <a:t>là</a:t>
+            </a:r>
+            <a:r>
+              <a:rPr lang="en-US" dirty="0" smtClean="0"/>
+              <a:t> </a:t>
+            </a:r>
+            <a:r>
+              <a:rPr lang="en-US" dirty="0" err="1" smtClean="0"/>
+              <a:t>chữ</a:t>
+            </a:r>
+            <a:r>
+              <a:rPr lang="en-US" dirty="0" smtClean="0"/>
+              <a:t>, </a:t>
+            </a:r>
+            <a:endParaRPr lang="en-US" dirty="0"/>
+          </a:p>
+        </p:txBody>
+      </p:sp>
+      <p:pic>
+        <p:nvPicPr>
+          <p:cNvPr id="7" name="Picture 6"/>
+          <p:cNvPicPr>
+            <a:picLocks noChangeAspect="1"/>
+          </p:cNvPicPr>
+          <p:nvPr/>
+        </p:nvPicPr>
+        <p:blipFill>
+          <a:blip r:embed="rId3"/>
+          <a:stretch>
+            <a:fillRect/>
+          </a:stretch>
+        </p:blipFill>
+        <p:spPr>
+          <a:xfrm>
+            <a:off x="380319" y="3386363"/>
+            <a:ext cx="4877481" cy="2019582"/>
+          </a:xfrm>
+          <a:prstGeom prst="rect">
+            <a:avLst/>
+          </a:prstGeom>
+        </p:spPr>
+      </p:pic>
+      <p:sp>
+        <p:nvSpPr>
+          <p:cNvPr id="8" name="TextBox 7"/>
+          <p:cNvSpPr txBox="1"/>
+          <p:nvPr/>
+        </p:nvSpPr>
+        <p:spPr>
+          <a:xfrm>
+            <a:off x="5627077" y="3386363"/>
+            <a:ext cx="6216162" cy="646331"/>
+          </a:xfrm>
+          <a:prstGeom prst="rect">
+            <a:avLst/>
+          </a:prstGeom>
+          <a:noFill/>
+        </p:spPr>
+        <p:txBody>
+          <a:bodyPr wrap="square" rtlCol="0">
+            <a:spAutoFit/>
+          </a:bodyPr>
+          <a:lstStyle/>
+          <a:p>
+            <a:r>
+              <a:rPr lang="en-US" dirty="0" err="1" smtClean="0"/>
+              <a:t>Phải</a:t>
+            </a:r>
+            <a:r>
+              <a:rPr lang="en-US" dirty="0" smtClean="0"/>
+              <a:t> </a:t>
+            </a:r>
+            <a:r>
+              <a:rPr lang="en-US" dirty="0" err="1" smtClean="0"/>
+              <a:t>là</a:t>
+            </a:r>
+            <a:r>
+              <a:rPr lang="en-US" dirty="0" smtClean="0"/>
+              <a:t> </a:t>
+            </a:r>
+            <a:r>
+              <a:rPr lang="en-US" dirty="0" err="1" smtClean="0"/>
+              <a:t>chữ</a:t>
+            </a:r>
+            <a:r>
+              <a:rPr lang="en-US" dirty="0" smtClean="0"/>
+              <a:t> </a:t>
+            </a:r>
+            <a:r>
+              <a:rPr lang="en-US" dirty="0" err="1" smtClean="0"/>
+              <a:t>Chữ</a:t>
+            </a:r>
+            <a:r>
+              <a:rPr lang="en-US" dirty="0" smtClean="0"/>
+              <a:t> </a:t>
+            </a:r>
+            <a:r>
+              <a:rPr lang="en-US" dirty="0" err="1" smtClean="0"/>
+              <a:t>đầu</a:t>
+            </a:r>
+            <a:r>
+              <a:rPr lang="en-US" dirty="0" smtClean="0"/>
+              <a:t> </a:t>
+            </a:r>
+            <a:r>
+              <a:rPr lang="en-US" dirty="0" err="1" smtClean="0"/>
+              <a:t>tiên</a:t>
+            </a:r>
+            <a:r>
+              <a:rPr lang="en-US" dirty="0"/>
+              <a:t> </a:t>
+            </a:r>
+            <a:r>
+              <a:rPr lang="en-US" dirty="0" err="1" smtClean="0"/>
+              <a:t>các</a:t>
+            </a:r>
+            <a:r>
+              <a:rPr lang="en-US" dirty="0" smtClean="0"/>
+              <a:t> </a:t>
+            </a:r>
+            <a:r>
+              <a:rPr lang="en-US" dirty="0" err="1" smtClean="0"/>
+              <a:t>ký</a:t>
+            </a:r>
+            <a:r>
+              <a:rPr lang="en-US" dirty="0" smtClean="0"/>
+              <a:t> </a:t>
+            </a:r>
+            <a:r>
+              <a:rPr lang="en-US" dirty="0" err="1" smtClean="0"/>
+              <a:t>tự</a:t>
+            </a:r>
+            <a:r>
+              <a:rPr lang="en-US" dirty="0" smtClean="0"/>
+              <a:t> </a:t>
+            </a:r>
+            <a:r>
+              <a:rPr lang="en-US" dirty="0" err="1" smtClean="0"/>
+              <a:t>sau</a:t>
+            </a:r>
+            <a:r>
+              <a:rPr lang="en-US" dirty="0" smtClean="0"/>
+              <a:t> </a:t>
+            </a:r>
+            <a:r>
+              <a:rPr lang="en-US" dirty="0" err="1" smtClean="0"/>
+              <a:t>có</a:t>
+            </a:r>
+            <a:r>
+              <a:rPr lang="en-US" dirty="0" smtClean="0"/>
+              <a:t> </a:t>
+            </a:r>
+            <a:r>
+              <a:rPr lang="en-US" dirty="0" err="1" smtClean="0"/>
+              <a:t>thể</a:t>
+            </a:r>
+            <a:r>
+              <a:rPr lang="en-US" dirty="0" smtClean="0"/>
+              <a:t> </a:t>
+            </a:r>
+            <a:r>
+              <a:rPr lang="en-US" dirty="0" err="1" smtClean="0"/>
+              <a:t>là</a:t>
+            </a:r>
+            <a:r>
+              <a:rPr lang="en-US" dirty="0" smtClean="0"/>
+              <a:t> </a:t>
+            </a:r>
+            <a:r>
+              <a:rPr lang="en-US" dirty="0" err="1" smtClean="0"/>
+              <a:t>số</a:t>
+            </a:r>
+            <a:r>
+              <a:rPr lang="en-US" dirty="0" smtClean="0"/>
+              <a:t> </a:t>
+            </a:r>
+            <a:r>
+              <a:rPr lang="en-US" dirty="0" err="1" smtClean="0"/>
+              <a:t>hoặc</a:t>
+            </a:r>
+            <a:r>
+              <a:rPr lang="en-US" dirty="0" smtClean="0"/>
+              <a:t> </a:t>
+            </a:r>
+            <a:r>
+              <a:rPr lang="en-US" dirty="0" err="1" smtClean="0"/>
+              <a:t>ký</a:t>
+            </a:r>
+            <a:r>
+              <a:rPr lang="en-US" dirty="0" smtClean="0"/>
+              <a:t> </a:t>
+            </a:r>
+            <a:r>
+              <a:rPr lang="en-US" dirty="0" err="1" smtClean="0"/>
+              <a:t>tự</a:t>
+            </a:r>
+            <a:r>
+              <a:rPr lang="en-US" dirty="0" smtClean="0"/>
+              <a:t> </a:t>
+            </a:r>
+            <a:r>
+              <a:rPr lang="en-US" dirty="0" err="1" smtClean="0"/>
+              <a:t>đặc</a:t>
+            </a:r>
+            <a:r>
+              <a:rPr lang="en-US" dirty="0" smtClean="0"/>
+              <a:t> </a:t>
+            </a:r>
+            <a:r>
+              <a:rPr lang="en-US" dirty="0" err="1" smtClean="0"/>
+              <a:t>biệt</a:t>
+            </a:r>
+            <a:r>
+              <a:rPr lang="en-US" dirty="0" smtClean="0"/>
+              <a:t>. </a:t>
+            </a:r>
+            <a:endParaRPr lang="en-US" dirty="0"/>
           </a:p>
         </p:txBody>
       </p:sp>
@@ -3655,52 +4049,254 @@
           <a:chExt cx="0" cy="0"/>
         </a:xfrm>
       </p:grpSpPr>
-      <p:sp>
-        <p:nvSpPr>
-          <p:cNvPr id="2" name="Title 1">
-            <a:extLst>
-              <a:ext uri="{FF2B5EF4-FFF2-40B4-BE49-F238E27FC236}">
-                <a16:creationId xmlns:a16="http://schemas.microsoft.com/office/drawing/2014/main" id="{8C5A56AE-EB40-42A5-9727-CF3A3229F19D}"/>
-              </a:ext>
-            </a:extLst>
-          </p:cNvPr>
-          <p:cNvSpPr>
-            <a:spLocks noGrp="1"/>
-          </p:cNvSpPr>
-          <p:nvPr>
-            <p:ph type="title"/>
-          </p:nvPr>
-        </p:nvSpPr>
-        <p:spPr/>
-        <p:txBody>
-          <a:bodyPr/>
-          <a:lstStyle/>
-          <a:p>
-            <a:endParaRPr lang="en-US"/>
-          </a:p>
-        </p:txBody>
-      </p:sp>
-      <p:sp>
-        <p:nvSpPr>
-          <p:cNvPr id="3" name="Content Placeholder 2">
-            <a:extLst>
-              <a:ext uri="{FF2B5EF4-FFF2-40B4-BE49-F238E27FC236}">
-                <a16:creationId xmlns:a16="http://schemas.microsoft.com/office/drawing/2014/main" id="{83F0ADC7-9FE4-4DF5-86AC-A79D930FC12A}"/>
-              </a:ext>
-            </a:extLst>
-          </p:cNvPr>
-          <p:cNvSpPr>
-            <a:spLocks noGrp="1"/>
-          </p:cNvSpPr>
-          <p:nvPr>
-            <p:ph idx="1"/>
-          </p:nvPr>
-        </p:nvSpPr>
-        <p:spPr/>
-        <p:txBody>
-          <a:bodyPr/>
-          <a:lstStyle/>
-          <a:p>
+      <p:pic>
+        <p:nvPicPr>
+          <p:cNvPr id="4" name="Picture 3"/>
+          <p:cNvPicPr>
+            <a:picLocks noChangeAspect="1"/>
+          </p:cNvPicPr>
+          <p:nvPr/>
+        </p:nvPicPr>
+        <p:blipFill>
+          <a:blip r:embed="rId2"/>
+          <a:stretch>
+            <a:fillRect/>
+          </a:stretch>
+        </p:blipFill>
+        <p:spPr>
+          <a:xfrm>
+            <a:off x="337038" y="278179"/>
+            <a:ext cx="5588977" cy="3687152"/>
+          </a:xfrm>
+          <a:prstGeom prst="rect">
+            <a:avLst/>
+          </a:prstGeom>
+        </p:spPr>
+      </p:pic>
+      <p:sp>
+        <p:nvSpPr>
+          <p:cNvPr id="5" name="TextBox 4"/>
+          <p:cNvSpPr txBox="1"/>
+          <p:nvPr/>
+        </p:nvSpPr>
+        <p:spPr>
+          <a:xfrm>
+            <a:off x="6435969" y="518746"/>
+            <a:ext cx="5292969" cy="646331"/>
+          </a:xfrm>
+          <a:prstGeom prst="rect">
+            <a:avLst/>
+          </a:prstGeom>
+          <a:noFill/>
+        </p:spPr>
+        <p:txBody>
+          <a:bodyPr wrap="square" rtlCol="0">
+            <a:spAutoFit/>
+          </a:bodyPr>
+          <a:lstStyle/>
+          <a:p>
+            <a:r>
+              <a:rPr lang="en-US" dirty="0" err="1" smtClean="0"/>
+              <a:t>Nếu</a:t>
+            </a:r>
+            <a:r>
+              <a:rPr lang="en-US" dirty="0" smtClean="0"/>
+              <a:t> </a:t>
+            </a:r>
+            <a:r>
+              <a:rPr lang="en-US" dirty="0" err="1" smtClean="0"/>
+              <a:t>để</a:t>
+            </a:r>
+            <a:r>
+              <a:rPr lang="en-US" dirty="0" smtClean="0"/>
+              <a:t> </a:t>
+            </a:r>
+            <a:r>
+              <a:rPr lang="en-US" dirty="0" err="1" smtClean="0"/>
+              <a:t>trong</a:t>
+            </a:r>
+            <a:r>
+              <a:rPr lang="en-US" dirty="0" smtClean="0"/>
+              <a:t> </a:t>
+            </a:r>
+            <a:r>
+              <a:rPr lang="en-US" dirty="0" err="1" smtClean="0"/>
+              <a:t>nháy</a:t>
+            </a:r>
+            <a:r>
+              <a:rPr lang="en-US" dirty="0" smtClean="0"/>
+              <a:t> </a:t>
+            </a:r>
+            <a:r>
+              <a:rPr lang="en-US" dirty="0" err="1" smtClean="0"/>
+              <a:t>kép</a:t>
+            </a:r>
+            <a:r>
+              <a:rPr lang="en-US" dirty="0" smtClean="0"/>
+              <a:t> </a:t>
+            </a:r>
+            <a:r>
+              <a:rPr lang="en-US" dirty="0" err="1" smtClean="0"/>
+              <a:t>thì</a:t>
+            </a:r>
+            <a:r>
+              <a:rPr lang="en-US" dirty="0" smtClean="0"/>
+              <a:t> </a:t>
+            </a:r>
+            <a:r>
+              <a:rPr lang="en-US" dirty="0" err="1" smtClean="0"/>
+              <a:t>máy</a:t>
+            </a:r>
+            <a:r>
+              <a:rPr lang="en-US" dirty="0" smtClean="0"/>
+              <a:t> </a:t>
+            </a:r>
+            <a:r>
+              <a:rPr lang="en-US" dirty="0" err="1" smtClean="0"/>
+              <a:t>tính</a:t>
+            </a:r>
+            <a:r>
+              <a:rPr lang="en-US" dirty="0" smtClean="0"/>
+              <a:t> </a:t>
+            </a:r>
+            <a:r>
+              <a:rPr lang="en-US" dirty="0" err="1" smtClean="0"/>
+              <a:t>sẽ</a:t>
+            </a:r>
+            <a:r>
+              <a:rPr lang="en-US" dirty="0" smtClean="0"/>
+              <a:t> </a:t>
+            </a:r>
+            <a:r>
+              <a:rPr lang="en-US" dirty="0" err="1" smtClean="0"/>
+              <a:t>hiểu</a:t>
+            </a:r>
+            <a:r>
+              <a:rPr lang="en-US" dirty="0" smtClean="0"/>
+              <a:t> </a:t>
+            </a:r>
+            <a:r>
+              <a:rPr lang="en-US" dirty="0" err="1" smtClean="0"/>
+              <a:t>là</a:t>
+            </a:r>
+            <a:r>
+              <a:rPr lang="en-US" dirty="0" smtClean="0"/>
+              <a:t> </a:t>
+            </a:r>
+            <a:r>
+              <a:rPr lang="en-US" dirty="0" err="1" smtClean="0"/>
+              <a:t>dạng</a:t>
+            </a:r>
+            <a:r>
+              <a:rPr lang="en-US" dirty="0" smtClean="0"/>
+              <a:t> </a:t>
+            </a:r>
+            <a:r>
+              <a:rPr lang="en-US" dirty="0" err="1" smtClean="0"/>
+              <a:t>chữ</a:t>
+            </a:r>
+            <a:endParaRPr lang="en-US" dirty="0"/>
+          </a:p>
+        </p:txBody>
+      </p:sp>
+      <p:sp>
+        <p:nvSpPr>
+          <p:cNvPr id="6" name="TextBox 5"/>
+          <p:cNvSpPr txBox="1"/>
+          <p:nvPr/>
+        </p:nvSpPr>
+        <p:spPr>
+          <a:xfrm>
+            <a:off x="6541477" y="1468315"/>
+            <a:ext cx="5073161" cy="369332"/>
+          </a:xfrm>
+          <a:prstGeom prst="rect">
+            <a:avLst/>
+          </a:prstGeom>
+          <a:noFill/>
+        </p:spPr>
+        <p:txBody>
+          <a:bodyPr wrap="square" rtlCol="0">
+            <a:spAutoFit/>
+          </a:bodyPr>
+          <a:lstStyle/>
+          <a:p>
+            <a:r>
+              <a:rPr lang="en-US" dirty="0" err="1" smtClean="0"/>
+              <a:t>Bỏ</a:t>
+            </a:r>
+            <a:r>
+              <a:rPr lang="en-US" dirty="0" smtClean="0"/>
+              <a:t> </a:t>
+            </a:r>
+            <a:r>
+              <a:rPr lang="en-US" dirty="0" err="1" smtClean="0"/>
+              <a:t>nháy</a:t>
+            </a:r>
+            <a:r>
+              <a:rPr lang="en-US" dirty="0" smtClean="0"/>
+              <a:t> </a:t>
+            </a:r>
+            <a:r>
+              <a:rPr lang="en-US" dirty="0" err="1" smtClean="0"/>
+              <a:t>kép</a:t>
+            </a:r>
+            <a:r>
+              <a:rPr lang="en-US" dirty="0" smtClean="0"/>
+              <a:t> </a:t>
+            </a:r>
+            <a:r>
+              <a:rPr lang="en-US" dirty="0" err="1" smtClean="0"/>
+              <a:t>thì</a:t>
+            </a:r>
+            <a:r>
+              <a:rPr lang="en-US" dirty="0" smtClean="0"/>
+              <a:t> </a:t>
+            </a:r>
+            <a:r>
+              <a:rPr lang="en-US" dirty="0" err="1" smtClean="0"/>
+              <a:t>máy</a:t>
+            </a:r>
+            <a:r>
+              <a:rPr lang="en-US" dirty="0" smtClean="0"/>
+              <a:t> </a:t>
+            </a:r>
+            <a:r>
+              <a:rPr lang="en-US" dirty="0" err="1" smtClean="0"/>
+              <a:t>tính</a:t>
+            </a:r>
+            <a:r>
+              <a:rPr lang="en-US" dirty="0" smtClean="0"/>
+              <a:t> </a:t>
+            </a:r>
+            <a:r>
+              <a:rPr lang="en-US" dirty="0" err="1" smtClean="0"/>
+              <a:t>hiểu</a:t>
+            </a:r>
+            <a:r>
+              <a:rPr lang="en-US" dirty="0" smtClean="0"/>
+              <a:t> </a:t>
+            </a:r>
+            <a:r>
+              <a:rPr lang="en-US" dirty="0" err="1" smtClean="0"/>
+              <a:t>là</a:t>
+            </a:r>
+            <a:r>
+              <a:rPr lang="en-US" dirty="0" smtClean="0"/>
+              <a:t> </a:t>
+            </a:r>
+            <a:r>
+              <a:rPr lang="en-US" dirty="0" err="1" smtClean="0"/>
+              <a:t>dạng</a:t>
+            </a:r>
+            <a:r>
+              <a:rPr lang="en-US" dirty="0" smtClean="0"/>
+              <a:t> </a:t>
+            </a:r>
+            <a:r>
+              <a:rPr lang="en-US" smtClean="0"/>
+              <a:t>số</a:t>
+            </a:r>
             <a:endParaRPr lang="en-US"/>
           </a:p>
         </p:txBody>

--- a/Các khái niệm cơ bản của PHP.pptx
+++ b/Các khái niệm cơ bản của PHP.pptx
@@ -21,7 +21,16 @@
     <p:sldId id="269" r:id="rId15"/>
     <p:sldId id="270" r:id="rId16"/>
     <p:sldId id="271" r:id="rId17"/>
-    <p:sldId id="272" r:id="rId18"/>
+    <p:sldId id="273" r:id="rId18"/>
+    <p:sldId id="274" r:id="rId19"/>
+    <p:sldId id="275" r:id="rId20"/>
+    <p:sldId id="276" r:id="rId21"/>
+    <p:sldId id="277" r:id="rId22"/>
+    <p:sldId id="278" r:id="rId23"/>
+    <p:sldId id="279" r:id="rId24"/>
+    <p:sldId id="280" r:id="rId25"/>
+    <p:sldId id="281" r:id="rId26"/>
+    <p:sldId id="272" r:id="rId27"/>
   </p:sldIdLst>
   <p:sldSz cx="12192000" cy="6858000"/>
   <p:notesSz cx="6858000" cy="9144000"/>
@@ -275,7 +284,7 @@
           <a:p>
             <a:fld id="{79110093-0041-4155-9926-F6209870D572}" type="datetimeFigureOut">
               <a:rPr lang="en-US" smtClean="0"/>
-              <a:t>31/10/2024</a:t>
+              <a:t>01/11/2024</a:t>
             </a:fld>
             <a:endParaRPr lang="en-US"/>
           </a:p>
@@ -473,7 +482,7 @@
           <a:p>
             <a:fld id="{79110093-0041-4155-9926-F6209870D572}" type="datetimeFigureOut">
               <a:rPr lang="en-US" smtClean="0"/>
-              <a:t>31/10/2024</a:t>
+              <a:t>01/11/2024</a:t>
             </a:fld>
             <a:endParaRPr lang="en-US"/>
           </a:p>
@@ -681,7 +690,7 @@
           <a:p>
             <a:fld id="{79110093-0041-4155-9926-F6209870D572}" type="datetimeFigureOut">
               <a:rPr lang="en-US" smtClean="0"/>
-              <a:t>31/10/2024</a:t>
+              <a:t>01/11/2024</a:t>
             </a:fld>
             <a:endParaRPr lang="en-US"/>
           </a:p>
@@ -879,7 +888,7 @@
           <a:p>
             <a:fld id="{79110093-0041-4155-9926-F6209870D572}" type="datetimeFigureOut">
               <a:rPr lang="en-US" smtClean="0"/>
-              <a:t>31/10/2024</a:t>
+              <a:t>01/11/2024</a:t>
             </a:fld>
             <a:endParaRPr lang="en-US"/>
           </a:p>
@@ -1154,7 +1163,7 @@
           <a:p>
             <a:fld id="{79110093-0041-4155-9926-F6209870D572}" type="datetimeFigureOut">
               <a:rPr lang="en-US" smtClean="0"/>
-              <a:t>31/10/2024</a:t>
+              <a:t>01/11/2024</a:t>
             </a:fld>
             <a:endParaRPr lang="en-US"/>
           </a:p>
@@ -1419,7 +1428,7 @@
           <a:p>
             <a:fld id="{79110093-0041-4155-9926-F6209870D572}" type="datetimeFigureOut">
               <a:rPr lang="en-US" smtClean="0"/>
-              <a:t>31/10/2024</a:t>
+              <a:t>01/11/2024</a:t>
             </a:fld>
             <a:endParaRPr lang="en-US"/>
           </a:p>
@@ -1831,7 +1840,7 @@
           <a:p>
             <a:fld id="{79110093-0041-4155-9926-F6209870D572}" type="datetimeFigureOut">
               <a:rPr lang="en-US" smtClean="0"/>
-              <a:t>31/10/2024</a:t>
+              <a:t>01/11/2024</a:t>
             </a:fld>
             <a:endParaRPr lang="en-US"/>
           </a:p>
@@ -1972,7 +1981,7 @@
           <a:p>
             <a:fld id="{79110093-0041-4155-9926-F6209870D572}" type="datetimeFigureOut">
               <a:rPr lang="en-US" smtClean="0"/>
-              <a:t>31/10/2024</a:t>
+              <a:t>01/11/2024</a:t>
             </a:fld>
             <a:endParaRPr lang="en-US"/>
           </a:p>
@@ -2085,7 +2094,7 @@
           <a:p>
             <a:fld id="{79110093-0041-4155-9926-F6209870D572}" type="datetimeFigureOut">
               <a:rPr lang="en-US" smtClean="0"/>
-              <a:t>31/10/2024</a:t>
+              <a:t>01/11/2024</a:t>
             </a:fld>
             <a:endParaRPr lang="en-US"/>
           </a:p>
@@ -2396,7 +2405,7 @@
           <a:p>
             <a:fld id="{79110093-0041-4155-9926-F6209870D572}" type="datetimeFigureOut">
               <a:rPr lang="en-US" smtClean="0"/>
-              <a:t>31/10/2024</a:t>
+              <a:t>01/11/2024</a:t>
             </a:fld>
             <a:endParaRPr lang="en-US"/>
           </a:p>
@@ -2684,7 +2693,7 @@
           <a:p>
             <a:fld id="{79110093-0041-4155-9926-F6209870D572}" type="datetimeFigureOut">
               <a:rPr lang="en-US" smtClean="0"/>
-              <a:t>31/10/2024</a:t>
+              <a:t>01/11/2024</a:t>
             </a:fld>
             <a:endParaRPr lang="en-US"/>
           </a:p>
@@ -2925,7 +2934,7 @@
           <a:p>
             <a:fld id="{79110093-0041-4155-9926-F6209870D572}" type="datetimeFigureOut">
               <a:rPr lang="en-US" smtClean="0"/>
-              <a:t>31/10/2024</a:t>
+              <a:t>01/11/2024</a:t>
             </a:fld>
             <a:endParaRPr lang="en-US"/>
           </a:p>
@@ -3602,30 +3611,29 @@
           <a:lstStyle/>
           <a:p>
             <a:r>
-              <a:rPr lang="en-US" dirty="0" err="1" smtClean="0"/>
+              <a:rPr lang="en-US" dirty="0" err="1"/>
               <a:t>Bài</a:t>
             </a:r>
             <a:r>
-              <a:rPr lang="en-US" dirty="0" smtClean="0"/>
+              <a:rPr lang="en-US" dirty="0"/>
               <a:t> 6 : </a:t>
             </a:r>
             <a:r>
-              <a:rPr lang="en-US" dirty="0" err="1" smtClean="0"/>
+              <a:rPr lang="en-US" dirty="0" err="1"/>
               <a:t>Biến</a:t>
             </a:r>
             <a:r>
-              <a:rPr lang="en-US" dirty="0" smtClean="0"/>
+              <a:rPr lang="en-US" dirty="0"/>
               <a:t> </a:t>
             </a:r>
             <a:r>
-              <a:rPr lang="en-US" dirty="0" err="1" smtClean="0"/>
+              <a:rPr lang="en-US" dirty="0" err="1"/>
               <a:t>trong</a:t>
             </a:r>
             <a:r>
-              <a:rPr lang="en-US" dirty="0" smtClean="0"/>
+              <a:rPr lang="en-US" dirty="0"/>
               <a:t> PHP </a:t>
             </a:r>
-            <a:endParaRPr lang="en-US" dirty="0"/>
           </a:p>
         </p:txBody>
       </p:sp>
@@ -3676,30 +3684,29 @@
           <a:lstStyle/>
           <a:p>
             <a:r>
-              <a:rPr lang="en-US" dirty="0" err="1" smtClean="0"/>
+              <a:rPr lang="en-US" dirty="0" err="1"/>
               <a:t>Dấu</a:t>
             </a:r>
             <a:r>
-              <a:rPr lang="en-US" dirty="0" smtClean="0"/>
+              <a:rPr lang="en-US" dirty="0"/>
               <a:t>  “$” + </a:t>
             </a:r>
             <a:r>
-              <a:rPr lang="en-US" dirty="0" err="1" smtClean="0"/>
+              <a:rPr lang="en-US" dirty="0" err="1"/>
               <a:t>tên</a:t>
             </a:r>
             <a:r>
-              <a:rPr lang="en-US" dirty="0" smtClean="0"/>
+              <a:rPr lang="en-US" dirty="0"/>
               <a:t> </a:t>
             </a:r>
             <a:r>
-              <a:rPr lang="en-US" dirty="0" err="1" smtClean="0"/>
+              <a:rPr lang="en-US" dirty="0" err="1"/>
               <a:t>biến</a:t>
             </a:r>
             <a:r>
-              <a:rPr lang="en-US" dirty="0" smtClean="0"/>
+              <a:rPr lang="en-US" dirty="0"/>
               <a:t>. </a:t>
             </a:r>
-            <a:endParaRPr lang="en-US" dirty="0"/>
           </a:p>
         </p:txBody>
       </p:sp>
@@ -3726,94 +3733,93 @@
           <a:lstStyle/>
           <a:p>
             <a:r>
-              <a:rPr lang="en-US" dirty="0" err="1" smtClean="0"/>
+              <a:rPr lang="en-US" dirty="0" err="1"/>
               <a:t>CHữ</a:t>
             </a:r>
             <a:r>
-              <a:rPr lang="en-US" dirty="0" smtClean="0"/>
+              <a:rPr lang="en-US" dirty="0"/>
               <a:t> </a:t>
             </a:r>
             <a:r>
-              <a:rPr lang="en-US" dirty="0" err="1" smtClean="0"/>
+              <a:rPr lang="en-US" dirty="0" err="1"/>
               <a:t>cái</a:t>
             </a:r>
             <a:r>
-              <a:rPr lang="en-US" dirty="0" smtClean="0"/>
+              <a:rPr lang="en-US" dirty="0"/>
               <a:t> </a:t>
             </a:r>
             <a:r>
-              <a:rPr lang="en-US" dirty="0" err="1" smtClean="0"/>
+              <a:rPr lang="en-US" dirty="0" err="1"/>
               <a:t>đầu</a:t>
             </a:r>
             <a:r>
-              <a:rPr lang="en-US" dirty="0" smtClean="0"/>
+              <a:rPr lang="en-US" dirty="0"/>
               <a:t> </a:t>
             </a:r>
             <a:r>
-              <a:rPr lang="en-US" dirty="0" err="1" smtClean="0"/>
+              <a:rPr lang="en-US" dirty="0" err="1"/>
               <a:t>tiên</a:t>
             </a:r>
             <a:r>
-              <a:rPr lang="en-US" dirty="0" smtClean="0"/>
+              <a:rPr lang="en-US" dirty="0"/>
               <a:t> </a:t>
             </a:r>
             <a:r>
-              <a:rPr lang="en-US" dirty="0" err="1" smtClean="0"/>
+              <a:rPr lang="en-US" dirty="0" err="1"/>
               <a:t>của</a:t>
             </a:r>
             <a:r>
-              <a:rPr lang="en-US" dirty="0" smtClean="0"/>
+              <a:rPr lang="en-US" dirty="0"/>
               <a:t> </a:t>
             </a:r>
             <a:r>
-              <a:rPr lang="en-US" dirty="0" err="1" smtClean="0"/>
+              <a:rPr lang="en-US" dirty="0" err="1"/>
               <a:t>tên</a:t>
             </a:r>
             <a:r>
-              <a:rPr lang="en-US" dirty="0" smtClean="0"/>
+              <a:rPr lang="en-US" dirty="0"/>
               <a:t> </a:t>
             </a:r>
             <a:r>
-              <a:rPr lang="en-US" dirty="0" err="1" smtClean="0"/>
+              <a:rPr lang="en-US" dirty="0" err="1"/>
               <a:t>biến</a:t>
             </a:r>
             <a:r>
-              <a:rPr lang="en-US" dirty="0" smtClean="0"/>
+              <a:rPr lang="en-US" dirty="0"/>
               <a:t> </a:t>
             </a:r>
             <a:r>
-              <a:rPr lang="en-US" dirty="0" err="1" smtClean="0"/>
+              <a:rPr lang="en-US" dirty="0" err="1"/>
               <a:t>thì</a:t>
             </a:r>
             <a:r>
-              <a:rPr lang="en-US" dirty="0" smtClean="0"/>
+              <a:rPr lang="en-US" dirty="0"/>
               <a:t> </a:t>
             </a:r>
             <a:r>
-              <a:rPr lang="en-US" dirty="0" err="1" smtClean="0"/>
+              <a:rPr lang="en-US" dirty="0" err="1"/>
               <a:t>phải</a:t>
             </a:r>
             <a:r>
-              <a:rPr lang="en-US" dirty="0" smtClean="0"/>
+              <a:rPr lang="en-US" dirty="0"/>
               <a:t> </a:t>
             </a:r>
             <a:r>
-              <a:rPr lang="en-US" dirty="0" err="1" smtClean="0"/>
+              <a:rPr lang="en-US" dirty="0" err="1"/>
               <a:t>là</a:t>
             </a:r>
             <a:r>
-              <a:rPr lang="en-US" dirty="0" smtClean="0"/>
+              <a:rPr lang="en-US" dirty="0"/>
               <a:t> </a:t>
             </a:r>
             <a:r>
-              <a:rPr lang="en-US" dirty="0" err="1" smtClean="0"/>
+              <a:rPr lang="en-US" dirty="0" err="1"/>
               <a:t>chữ</a:t>
             </a:r>
             <a:r>
-              <a:rPr lang="en-US" dirty="0" smtClean="0"/>
+              <a:rPr lang="en-US" dirty="0"/>
               <a:t>, </a:t>
             </a:r>
-            <a:endParaRPr lang="en-US" dirty="0"/>
           </a:p>
         </p:txBody>
       </p:sp>
@@ -3864,158 +3870,157 @@
           <a:lstStyle/>
           <a:p>
             <a:r>
-              <a:rPr lang="en-US" dirty="0" err="1" smtClean="0"/>
+              <a:rPr lang="en-US" dirty="0" err="1"/>
               <a:t>Phải</a:t>
-            </a:r>
-            <a:r>
-              <a:rPr lang="en-US" dirty="0" smtClean="0"/>
-              <a:t> </a:t>
-            </a:r>
-            <a:r>
-              <a:rPr lang="en-US" dirty="0" err="1" smtClean="0"/>
-              <a:t>là</a:t>
-            </a:r>
-            <a:r>
-              <a:rPr lang="en-US" dirty="0" smtClean="0"/>
-              <a:t> </a:t>
-            </a:r>
-            <a:r>
-              <a:rPr lang="en-US" dirty="0" err="1" smtClean="0"/>
-              <a:t>chữ</a:t>
-            </a:r>
-            <a:r>
-              <a:rPr lang="en-US" dirty="0" smtClean="0"/>
-              <a:t> </a:t>
-            </a:r>
-            <a:r>
-              <a:rPr lang="en-US" dirty="0" err="1" smtClean="0"/>
-              <a:t>Chữ</a:t>
-            </a:r>
-            <a:r>
-              <a:rPr lang="en-US" dirty="0" smtClean="0"/>
-              <a:t> </a:t>
-            </a:r>
-            <a:r>
-              <a:rPr lang="en-US" dirty="0" err="1" smtClean="0"/>
-              <a:t>đầu</a:t>
-            </a:r>
-            <a:r>
-              <a:rPr lang="en-US" dirty="0" smtClean="0"/>
-              <a:t> </a:t>
-            </a:r>
-            <a:r>
-              <a:rPr lang="en-US" dirty="0" err="1" smtClean="0"/>
-              <a:t>tiên</a:t>
             </a:r>
             <a:r>
               <a:rPr lang="en-US" dirty="0"/>
               <a:t> </a:t>
             </a:r>
             <a:r>
-              <a:rPr lang="en-US" dirty="0" err="1" smtClean="0"/>
+              <a:rPr lang="en-US" dirty="0" err="1"/>
+              <a:t>là</a:t>
+            </a:r>
+            <a:r>
+              <a:rPr lang="en-US" dirty="0"/>
+              <a:t> </a:t>
+            </a:r>
+            <a:r>
+              <a:rPr lang="en-US" dirty="0" err="1"/>
+              <a:t>chữ</a:t>
+            </a:r>
+            <a:r>
+              <a:rPr lang="en-US" dirty="0"/>
+              <a:t> </a:t>
+            </a:r>
+            <a:r>
+              <a:rPr lang="en-US" dirty="0" err="1"/>
+              <a:t>Chữ</a:t>
+            </a:r>
+            <a:r>
+              <a:rPr lang="en-US" dirty="0"/>
+              <a:t> </a:t>
+            </a:r>
+            <a:r>
+              <a:rPr lang="en-US" dirty="0" err="1"/>
+              <a:t>đầu</a:t>
+            </a:r>
+            <a:r>
+              <a:rPr lang="en-US" dirty="0"/>
+              <a:t> </a:t>
+            </a:r>
+            <a:r>
+              <a:rPr lang="en-US" dirty="0" err="1"/>
+              <a:t>tiên</a:t>
+            </a:r>
+            <a:r>
+              <a:rPr lang="en-US" dirty="0"/>
+              <a:t> </a:t>
+            </a:r>
+            <a:r>
+              <a:rPr lang="en-US" dirty="0" err="1"/>
               <a:t>các</a:t>
             </a:r>
             <a:r>
-              <a:rPr lang="en-US" dirty="0" smtClean="0"/>
+              <a:rPr lang="en-US" dirty="0"/>
               <a:t> </a:t>
             </a:r>
             <a:r>
-              <a:rPr lang="en-US" dirty="0" err="1" smtClean="0"/>
+              <a:rPr lang="en-US" dirty="0" err="1"/>
               <a:t>ký</a:t>
             </a:r>
             <a:r>
-              <a:rPr lang="en-US" dirty="0" smtClean="0"/>
+              <a:rPr lang="en-US" dirty="0"/>
               <a:t> </a:t>
             </a:r>
             <a:r>
-              <a:rPr lang="en-US" dirty="0" err="1" smtClean="0"/>
+              <a:rPr lang="en-US" dirty="0" err="1"/>
               <a:t>tự</a:t>
             </a:r>
             <a:r>
-              <a:rPr lang="en-US" dirty="0" smtClean="0"/>
+              <a:rPr lang="en-US" dirty="0"/>
               <a:t> </a:t>
             </a:r>
             <a:r>
-              <a:rPr lang="en-US" dirty="0" err="1" smtClean="0"/>
+              <a:rPr lang="en-US" dirty="0" err="1"/>
               <a:t>sau</a:t>
             </a:r>
             <a:r>
-              <a:rPr lang="en-US" dirty="0" smtClean="0"/>
+              <a:rPr lang="en-US" dirty="0"/>
               <a:t> </a:t>
             </a:r>
             <a:r>
-              <a:rPr lang="en-US" dirty="0" err="1" smtClean="0"/>
+              <a:rPr lang="en-US" dirty="0" err="1"/>
               <a:t>có</a:t>
             </a:r>
             <a:r>
-              <a:rPr lang="en-US" dirty="0" smtClean="0"/>
+              <a:rPr lang="en-US" dirty="0"/>
               <a:t> </a:t>
             </a:r>
             <a:r>
-              <a:rPr lang="en-US" dirty="0" err="1" smtClean="0"/>
+              <a:rPr lang="en-US" dirty="0" err="1"/>
               <a:t>thể</a:t>
             </a:r>
             <a:r>
-              <a:rPr lang="en-US" dirty="0" smtClean="0"/>
+              <a:rPr lang="en-US" dirty="0"/>
               <a:t> </a:t>
             </a:r>
             <a:r>
-              <a:rPr lang="en-US" dirty="0" err="1" smtClean="0"/>
+              <a:rPr lang="en-US" dirty="0" err="1"/>
               <a:t>là</a:t>
             </a:r>
             <a:r>
-              <a:rPr lang="en-US" dirty="0" smtClean="0"/>
+              <a:rPr lang="en-US" dirty="0"/>
               <a:t> </a:t>
             </a:r>
             <a:r>
-              <a:rPr lang="en-US" dirty="0" err="1" smtClean="0"/>
+              <a:rPr lang="en-US" dirty="0" err="1"/>
               <a:t>số</a:t>
             </a:r>
             <a:r>
-              <a:rPr lang="en-US" dirty="0" smtClean="0"/>
+              <a:rPr lang="en-US" dirty="0"/>
               <a:t> </a:t>
             </a:r>
             <a:r>
-              <a:rPr lang="en-US" dirty="0" err="1" smtClean="0"/>
+              <a:rPr lang="en-US" dirty="0" err="1"/>
               <a:t>hoặc</a:t>
             </a:r>
             <a:r>
-              <a:rPr lang="en-US" dirty="0" smtClean="0"/>
+              <a:rPr lang="en-US" dirty="0"/>
               <a:t> </a:t>
             </a:r>
             <a:r>
-              <a:rPr lang="en-US" dirty="0" err="1" smtClean="0"/>
+              <a:rPr lang="en-US" dirty="0" err="1"/>
               <a:t>ký</a:t>
             </a:r>
             <a:r>
-              <a:rPr lang="en-US" dirty="0" smtClean="0"/>
+              <a:rPr lang="en-US" dirty="0"/>
               <a:t> </a:t>
             </a:r>
             <a:r>
-              <a:rPr lang="en-US" dirty="0" err="1" smtClean="0"/>
+              <a:rPr lang="en-US" dirty="0" err="1"/>
               <a:t>tự</a:t>
             </a:r>
             <a:r>
-              <a:rPr lang="en-US" dirty="0" smtClean="0"/>
+              <a:rPr lang="en-US" dirty="0"/>
               <a:t> </a:t>
             </a:r>
             <a:r>
-              <a:rPr lang="en-US" dirty="0" err="1" smtClean="0"/>
+              <a:rPr lang="en-US" dirty="0" err="1"/>
               <a:t>đặc</a:t>
             </a:r>
             <a:r>
-              <a:rPr lang="en-US" dirty="0" smtClean="0"/>
+              <a:rPr lang="en-US" dirty="0"/>
               <a:t> </a:t>
             </a:r>
             <a:r>
-              <a:rPr lang="en-US" dirty="0" err="1" smtClean="0"/>
+              <a:rPr lang="en-US" dirty="0" err="1"/>
               <a:t>biệt</a:t>
             </a:r>
             <a:r>
-              <a:rPr lang="en-US" dirty="0" smtClean="0"/>
+              <a:rPr lang="en-US" dirty="0"/>
               <a:t>. </a:t>
             </a:r>
-            <a:endParaRPr lang="en-US" dirty="0"/>
           </a:p>
         </p:txBody>
       </p:sp>
@@ -4065,8 +4070,8 @@
         </p:blipFill>
         <p:spPr>
           <a:xfrm>
-            <a:off x="337038" y="278179"/>
-            <a:ext cx="5588977" cy="3687152"/>
+            <a:off x="463062" y="140824"/>
+            <a:ext cx="5141792" cy="2882272"/>
           </a:xfrm>
           <a:prstGeom prst="rect">
             <a:avLst/>
@@ -4081,7 +4086,7 @@
         </p:nvSpPr>
         <p:spPr>
           <a:xfrm>
-            <a:off x="6435969" y="518746"/>
+            <a:off x="6435969" y="731810"/>
             <a:ext cx="5292969" cy="646331"/>
           </a:xfrm>
           <a:prstGeom prst="rect">
@@ -4096,103 +4101,103 @@
           <a:lstStyle/>
           <a:p>
             <a:r>
-              <a:rPr lang="en-US" dirty="0" err="1" smtClean="0"/>
+              <a:rPr lang="en-US" dirty="0" err="1"/>
               <a:t>Nếu</a:t>
             </a:r>
             <a:r>
-              <a:rPr lang="en-US" dirty="0" smtClean="0"/>
+              <a:rPr lang="en-US" dirty="0"/>
               <a:t> </a:t>
             </a:r>
             <a:r>
-              <a:rPr lang="en-US" dirty="0" err="1" smtClean="0"/>
+              <a:rPr lang="en-US" dirty="0" err="1"/>
               <a:t>để</a:t>
             </a:r>
             <a:r>
-              <a:rPr lang="en-US" dirty="0" smtClean="0"/>
+              <a:rPr lang="en-US" dirty="0"/>
               <a:t> </a:t>
             </a:r>
             <a:r>
-              <a:rPr lang="en-US" dirty="0" err="1" smtClean="0"/>
+              <a:rPr lang="en-US" dirty="0" err="1"/>
               <a:t>trong</a:t>
             </a:r>
             <a:r>
-              <a:rPr lang="en-US" dirty="0" smtClean="0"/>
+              <a:rPr lang="en-US" dirty="0"/>
               <a:t> </a:t>
             </a:r>
             <a:r>
-              <a:rPr lang="en-US" dirty="0" err="1" smtClean="0"/>
+              <a:rPr lang="en-US" dirty="0" err="1"/>
               <a:t>nháy</a:t>
             </a:r>
             <a:r>
-              <a:rPr lang="en-US" dirty="0" smtClean="0"/>
+              <a:rPr lang="en-US" dirty="0"/>
               <a:t> </a:t>
             </a:r>
             <a:r>
-              <a:rPr lang="en-US" dirty="0" err="1" smtClean="0"/>
+              <a:rPr lang="en-US" dirty="0" err="1"/>
               <a:t>kép</a:t>
             </a:r>
             <a:r>
-              <a:rPr lang="en-US" dirty="0" smtClean="0"/>
+              <a:rPr lang="en-US" dirty="0"/>
               <a:t> </a:t>
             </a:r>
             <a:r>
-              <a:rPr lang="en-US" dirty="0" err="1" smtClean="0"/>
+              <a:rPr lang="en-US" dirty="0" err="1"/>
               <a:t>thì</a:t>
             </a:r>
             <a:r>
-              <a:rPr lang="en-US" dirty="0" smtClean="0"/>
+              <a:rPr lang="en-US" dirty="0"/>
               <a:t> </a:t>
             </a:r>
             <a:r>
-              <a:rPr lang="en-US" dirty="0" err="1" smtClean="0"/>
+              <a:rPr lang="en-US" dirty="0" err="1"/>
               <a:t>máy</a:t>
             </a:r>
             <a:r>
-              <a:rPr lang="en-US" dirty="0" smtClean="0"/>
+              <a:rPr lang="en-US" dirty="0"/>
               <a:t> </a:t>
             </a:r>
             <a:r>
-              <a:rPr lang="en-US" dirty="0" err="1" smtClean="0"/>
+              <a:rPr lang="en-US" dirty="0" err="1"/>
               <a:t>tính</a:t>
             </a:r>
             <a:r>
-              <a:rPr lang="en-US" dirty="0" smtClean="0"/>
+              <a:rPr lang="en-US" dirty="0"/>
               <a:t> </a:t>
             </a:r>
             <a:r>
-              <a:rPr lang="en-US" dirty="0" err="1" smtClean="0"/>
+              <a:rPr lang="en-US" dirty="0" err="1"/>
               <a:t>sẽ</a:t>
             </a:r>
             <a:r>
-              <a:rPr lang="en-US" dirty="0" smtClean="0"/>
+              <a:rPr lang="en-US" dirty="0"/>
               <a:t> </a:t>
             </a:r>
             <a:r>
-              <a:rPr lang="en-US" dirty="0" err="1" smtClean="0"/>
+              <a:rPr lang="en-US" dirty="0" err="1"/>
               <a:t>hiểu</a:t>
             </a:r>
             <a:r>
-              <a:rPr lang="en-US" dirty="0" smtClean="0"/>
+              <a:rPr lang="en-US" dirty="0"/>
               <a:t> </a:t>
             </a:r>
             <a:r>
-              <a:rPr lang="en-US" dirty="0" err="1" smtClean="0"/>
+              <a:rPr lang="en-US" dirty="0" err="1"/>
               <a:t>là</a:t>
             </a:r>
             <a:r>
-              <a:rPr lang="en-US" dirty="0" smtClean="0"/>
+              <a:rPr lang="en-US" dirty="0"/>
               <a:t> </a:t>
             </a:r>
             <a:r>
-              <a:rPr lang="en-US" dirty="0" err="1" smtClean="0"/>
+              <a:rPr lang="en-US" dirty="0" err="1"/>
               <a:t>dạng</a:t>
             </a:r>
             <a:r>
-              <a:rPr lang="en-US" dirty="0" smtClean="0"/>
+              <a:rPr lang="en-US" dirty="0"/>
               <a:t> </a:t>
             </a:r>
             <a:r>
-              <a:rPr lang="en-US" dirty="0" err="1" smtClean="0"/>
+              <a:rPr lang="en-US" dirty="0" err="1"/>
               <a:t>chữ</a:t>
             </a:r>
             <a:endParaRPr lang="en-US" dirty="0"/>
@@ -4207,7 +4212,7 @@
         </p:nvSpPr>
         <p:spPr>
           <a:xfrm>
-            <a:off x="6541477" y="1468315"/>
+            <a:off x="6587148" y="2000975"/>
             <a:ext cx="5073161" cy="369332"/>
           </a:xfrm>
           <a:prstGeom prst="rect">
@@ -4222,85 +4227,114 @@
           <a:lstStyle/>
           <a:p>
             <a:r>
-              <a:rPr lang="en-US" dirty="0" err="1" smtClean="0"/>
+              <a:rPr lang="en-US" dirty="0" err="1"/>
               <a:t>Bỏ</a:t>
             </a:r>
             <a:r>
-              <a:rPr lang="en-US" dirty="0" smtClean="0"/>
+              <a:rPr lang="en-US" dirty="0"/>
               <a:t> </a:t>
             </a:r>
             <a:r>
-              <a:rPr lang="en-US" dirty="0" err="1" smtClean="0"/>
+              <a:rPr lang="en-US" dirty="0" err="1"/>
               <a:t>nháy</a:t>
             </a:r>
             <a:r>
-              <a:rPr lang="en-US" dirty="0" smtClean="0"/>
+              <a:rPr lang="en-US" dirty="0"/>
               <a:t> </a:t>
             </a:r>
             <a:r>
-              <a:rPr lang="en-US" dirty="0" err="1" smtClean="0"/>
+              <a:rPr lang="en-US" dirty="0" err="1"/>
               <a:t>kép</a:t>
             </a:r>
             <a:r>
-              <a:rPr lang="en-US" dirty="0" smtClean="0"/>
+              <a:rPr lang="en-US" dirty="0"/>
               <a:t> </a:t>
             </a:r>
             <a:r>
-              <a:rPr lang="en-US" dirty="0" err="1" smtClean="0"/>
+              <a:rPr lang="en-US" dirty="0" err="1"/>
               <a:t>thì</a:t>
             </a:r>
             <a:r>
-              <a:rPr lang="en-US" dirty="0" smtClean="0"/>
+              <a:rPr lang="en-US" dirty="0"/>
               <a:t> </a:t>
             </a:r>
             <a:r>
-              <a:rPr lang="en-US" dirty="0" err="1" smtClean="0"/>
+              <a:rPr lang="en-US" dirty="0" err="1"/>
               <a:t>máy</a:t>
             </a:r>
             <a:r>
-              <a:rPr lang="en-US" dirty="0" smtClean="0"/>
+              <a:rPr lang="en-US" dirty="0"/>
               <a:t> </a:t>
             </a:r>
             <a:r>
-              <a:rPr lang="en-US" dirty="0" err="1" smtClean="0"/>
+              <a:rPr lang="en-US" dirty="0" err="1"/>
               <a:t>tính</a:t>
             </a:r>
             <a:r>
-              <a:rPr lang="en-US" dirty="0" smtClean="0"/>
+              <a:rPr lang="en-US" dirty="0"/>
               <a:t> </a:t>
             </a:r>
             <a:r>
-              <a:rPr lang="en-US" dirty="0" err="1" smtClean="0"/>
+              <a:rPr lang="en-US" dirty="0" err="1"/>
               <a:t>hiểu</a:t>
             </a:r>
             <a:r>
-              <a:rPr lang="en-US" dirty="0" smtClean="0"/>
+              <a:rPr lang="en-US" dirty="0"/>
               <a:t> </a:t>
             </a:r>
             <a:r>
-              <a:rPr lang="en-US" dirty="0" err="1" smtClean="0"/>
+              <a:rPr lang="en-US" dirty="0" err="1"/>
               <a:t>là</a:t>
             </a:r>
             <a:r>
-              <a:rPr lang="en-US" dirty="0" smtClean="0"/>
+              <a:rPr lang="en-US" dirty="0"/>
               <a:t> </a:t>
             </a:r>
             <a:r>
-              <a:rPr lang="en-US" dirty="0" err="1" smtClean="0"/>
+              <a:rPr lang="en-US" dirty="0" err="1"/>
               <a:t>dạng</a:t>
             </a:r>
             <a:r>
-              <a:rPr lang="en-US" dirty="0" smtClean="0"/>
+              <a:rPr lang="en-US" dirty="0"/>
               <a:t> </a:t>
             </a:r>
             <a:r>
-              <a:rPr lang="en-US" smtClean="0"/>
+              <a:rPr lang="en-US"/>
               <a:t>số</a:t>
             </a:r>
-            <a:endParaRPr lang="en-US"/>
-          </a:p>
-        </p:txBody>
-      </p:sp>
+          </a:p>
+        </p:txBody>
+      </p:sp>
+      <p:pic>
+        <p:nvPicPr>
+          <p:cNvPr id="2" name="Picture 1">
+            <a:extLst>
+              <a:ext uri="{FF2B5EF4-FFF2-40B4-BE49-F238E27FC236}">
+                <a16:creationId xmlns:a16="http://schemas.microsoft.com/office/drawing/2014/main" id="{5F659E40-C423-4DF1-A8C2-9F750018F11E}"/>
+              </a:ext>
+            </a:extLst>
+          </p:cNvPr>
+          <p:cNvPicPr>
+            <a:picLocks noChangeAspect="1"/>
+          </p:cNvPicPr>
+          <p:nvPr/>
+        </p:nvPicPr>
+        <p:blipFill>
+          <a:blip r:embed="rId3"/>
+          <a:stretch>
+            <a:fillRect/>
+          </a:stretch>
+        </p:blipFill>
+        <p:spPr>
+          <a:xfrm>
+            <a:off x="463062" y="3429000"/>
+            <a:ext cx="5141792" cy="3122720"/>
+          </a:xfrm>
+          <a:prstGeom prst="rect">
+            <a:avLst/>
+          </a:prstGeom>
+        </p:spPr>
+      </p:pic>
     </p:spTree>
     <p:extLst>
       <p:ext uri="{BB962C8B-B14F-4D97-AF65-F5344CB8AC3E}">
@@ -4347,40 +4381,507 @@
             <p:ph type="title"/>
           </p:nvPr>
         </p:nvSpPr>
-        <p:spPr/>
+        <p:spPr>
+          <a:xfrm>
+            <a:off x="0" y="0"/>
+            <a:ext cx="10515600" cy="931015"/>
+          </a:xfrm>
+        </p:spPr>
         <p:txBody>
           <a:bodyPr/>
           <a:lstStyle/>
           <a:p>
+            <a:r>
+              <a:rPr lang="en-US"/>
+              <a:t>Bài 7: Hằng trong PHP:</a:t>
+            </a:r>
+          </a:p>
+        </p:txBody>
+      </p:sp>
+      <p:sp>
+        <p:nvSpPr>
+          <p:cNvPr id="3" name="Content Placeholder 2">
+            <a:extLst>
+              <a:ext uri="{FF2B5EF4-FFF2-40B4-BE49-F238E27FC236}">
+                <a16:creationId xmlns:a16="http://schemas.microsoft.com/office/drawing/2014/main" id="{BD123BD2-601E-4E8A-ACDA-F9E899DBB493}"/>
+              </a:ext>
+            </a:extLst>
+          </p:cNvPr>
+          <p:cNvSpPr>
+            <a:spLocks noGrp="1"/>
+          </p:cNvSpPr>
+          <p:nvPr>
+            <p:ph idx="1"/>
+          </p:nvPr>
+        </p:nvSpPr>
+        <p:spPr>
+          <a:xfrm>
+            <a:off x="0" y="931014"/>
+            <a:ext cx="12192000" cy="5926986"/>
+          </a:xfrm>
+        </p:spPr>
+        <p:txBody>
+          <a:bodyPr/>
+          <a:lstStyle/>
+          <a:p>
+            <a:pPr marL="0" indent="0">
+              <a:buNone/>
+            </a:pPr>
+            <a:r>
+              <a:rPr lang="en-US"/>
+              <a:t>Hằng cũng là một biến nh</a:t>
+            </a:r>
+            <a:r>
+              <a:rPr lang="vi-VN"/>
+              <a:t>ư</a:t>
+            </a:r>
+            <a:r>
+              <a:rPr lang="en-US"/>
+              <a:t>ng </a:t>
+            </a:r>
+            <a:r>
+              <a:rPr lang="en-US">
+                <a:solidFill>
+                  <a:srgbClr val="FF0000"/>
+                </a:solidFill>
+                <a:highlight>
+                  <a:srgbClr val="FFFF00"/>
+                </a:highlight>
+              </a:rPr>
+              <a:t>không thể </a:t>
+            </a:r>
+            <a:r>
+              <a:rPr lang="en-US"/>
+              <a:t>thay đổi giá trị đ</a:t>
+            </a:r>
+            <a:r>
+              <a:rPr lang="vi-VN"/>
+              <a:t>ư</a:t>
+            </a:r>
+            <a:r>
+              <a:rPr lang="en-US"/>
+              <a:t>ợc.</a:t>
+            </a:r>
+          </a:p>
+          <a:p>
+            <a:pPr marL="0" indent="0">
+              <a:buNone/>
+            </a:pPr>
             <a:endParaRPr lang="en-US"/>
           </a:p>
         </p:txBody>
       </p:sp>
-      <p:sp>
-        <p:nvSpPr>
-          <p:cNvPr id="3" name="Content Placeholder 2">
-            <a:extLst>
-              <a:ext uri="{FF2B5EF4-FFF2-40B4-BE49-F238E27FC236}">
-                <a16:creationId xmlns:a16="http://schemas.microsoft.com/office/drawing/2014/main" id="{BD123BD2-601E-4E8A-ACDA-F9E899DBB493}"/>
-              </a:ext>
-            </a:extLst>
-          </p:cNvPr>
-          <p:cNvSpPr>
-            <a:spLocks noGrp="1"/>
-          </p:cNvSpPr>
-          <p:nvPr>
-            <p:ph idx="1"/>
-          </p:nvPr>
-        </p:nvSpPr>
-        <p:spPr/>
-        <p:txBody>
-          <a:bodyPr/>
-          <a:lstStyle/>
-          <a:p>
-            <a:endParaRPr lang="en-US"/>
-          </a:p>
-        </p:txBody>
-      </p:sp>
+      <p:pic>
+        <p:nvPicPr>
+          <p:cNvPr id="4" name="Picture 3">
+            <a:extLst>
+              <a:ext uri="{FF2B5EF4-FFF2-40B4-BE49-F238E27FC236}">
+                <a16:creationId xmlns:a16="http://schemas.microsoft.com/office/drawing/2014/main" id="{352FF0DA-1ED8-4151-B8FA-DB569297F7AE}"/>
+              </a:ext>
+            </a:extLst>
+          </p:cNvPr>
+          <p:cNvPicPr>
+            <a:picLocks noChangeAspect="1"/>
+          </p:cNvPicPr>
+          <p:nvPr/>
+        </p:nvPicPr>
+        <p:blipFill>
+          <a:blip r:embed="rId2"/>
+          <a:stretch>
+            <a:fillRect/>
+          </a:stretch>
+        </p:blipFill>
+        <p:spPr>
+          <a:xfrm>
+            <a:off x="1349936" y="1928672"/>
+            <a:ext cx="4982270" cy="1095528"/>
+          </a:xfrm>
+          <a:prstGeom prst="rect">
+            <a:avLst/>
+          </a:prstGeom>
+        </p:spPr>
+      </p:pic>
+      <p:cxnSp>
+        <p:nvCxnSpPr>
+          <p:cNvPr id="6" name="Straight Arrow Connector 5">
+            <a:extLst>
+              <a:ext uri="{FF2B5EF4-FFF2-40B4-BE49-F238E27FC236}">
+                <a16:creationId xmlns:a16="http://schemas.microsoft.com/office/drawing/2014/main" id="{D172F639-C1A5-4654-B23C-CB53CDD4F166}"/>
+              </a:ext>
+            </a:extLst>
+          </p:cNvPr>
+          <p:cNvCxnSpPr>
+            <a:cxnSpLocks/>
+          </p:cNvCxnSpPr>
+          <p:nvPr/>
+        </p:nvCxnSpPr>
+        <p:spPr>
+          <a:xfrm flipH="1">
+            <a:off x="2876365" y="2574524"/>
+            <a:ext cx="381741" cy="958789"/>
+          </a:xfrm>
+          <a:prstGeom prst="straightConnector1">
+            <a:avLst/>
+          </a:prstGeom>
+          <a:ln>
+            <a:tailEnd type="triangle"/>
+          </a:ln>
+        </p:spPr>
+        <p:style>
+          <a:lnRef idx="1">
+            <a:schemeClr val="dk1"/>
+          </a:lnRef>
+          <a:fillRef idx="0">
+            <a:schemeClr val="dk1"/>
+          </a:fillRef>
+          <a:effectRef idx="0">
+            <a:schemeClr val="dk1"/>
+          </a:effectRef>
+          <a:fontRef idx="minor">
+            <a:schemeClr val="tx1"/>
+          </a:fontRef>
+        </p:style>
+      </p:cxnSp>
+      <p:sp>
+        <p:nvSpPr>
+          <p:cNvPr id="7" name="TextBox 6">
+            <a:extLst>
+              <a:ext uri="{FF2B5EF4-FFF2-40B4-BE49-F238E27FC236}">
+                <a16:creationId xmlns:a16="http://schemas.microsoft.com/office/drawing/2014/main" id="{3F2CC00D-E3D7-4B0E-8170-E3DD36112C70}"/>
+              </a:ext>
+            </a:extLst>
+          </p:cNvPr>
+          <p:cNvSpPr txBox="1"/>
+          <p:nvPr/>
+        </p:nvSpPr>
+        <p:spPr>
+          <a:xfrm>
+            <a:off x="1234261" y="3464469"/>
+            <a:ext cx="1757779" cy="369332"/>
+          </a:xfrm>
+          <a:prstGeom prst="rect">
+            <a:avLst/>
+          </a:prstGeom>
+          <a:noFill/>
+        </p:spPr>
+        <p:txBody>
+          <a:bodyPr wrap="square" rtlCol="0">
+            <a:spAutoFit/>
+          </a:bodyPr>
+          <a:lstStyle/>
+          <a:p>
+            <a:r>
+              <a:rPr lang="en-US"/>
+              <a:t>Tên của hằng số</a:t>
+            </a:r>
+          </a:p>
+        </p:txBody>
+      </p:sp>
+      <p:cxnSp>
+        <p:nvCxnSpPr>
+          <p:cNvPr id="9" name="Straight Arrow Connector 8">
+            <a:extLst>
+              <a:ext uri="{FF2B5EF4-FFF2-40B4-BE49-F238E27FC236}">
+                <a16:creationId xmlns:a16="http://schemas.microsoft.com/office/drawing/2014/main" id="{A71D3608-A299-4177-B97E-61B6E29DB8F8}"/>
+              </a:ext>
+            </a:extLst>
+          </p:cNvPr>
+          <p:cNvCxnSpPr>
+            <a:cxnSpLocks/>
+          </p:cNvCxnSpPr>
+          <p:nvPr/>
+        </p:nvCxnSpPr>
+        <p:spPr>
+          <a:xfrm>
+            <a:off x="4323425" y="2574524"/>
+            <a:ext cx="355107" cy="854476"/>
+          </a:xfrm>
+          <a:prstGeom prst="straightConnector1">
+            <a:avLst/>
+          </a:prstGeom>
+          <a:ln>
+            <a:tailEnd type="triangle"/>
+          </a:ln>
+        </p:spPr>
+        <p:style>
+          <a:lnRef idx="1">
+            <a:schemeClr val="dk1"/>
+          </a:lnRef>
+          <a:fillRef idx="0">
+            <a:schemeClr val="dk1"/>
+          </a:fillRef>
+          <a:effectRef idx="0">
+            <a:schemeClr val="dk1"/>
+          </a:effectRef>
+          <a:fontRef idx="minor">
+            <a:schemeClr val="tx1"/>
+          </a:fontRef>
+        </p:style>
+      </p:cxnSp>
+      <p:sp>
+        <p:nvSpPr>
+          <p:cNvPr id="10" name="TextBox 9">
+            <a:extLst>
+              <a:ext uri="{FF2B5EF4-FFF2-40B4-BE49-F238E27FC236}">
+                <a16:creationId xmlns:a16="http://schemas.microsoft.com/office/drawing/2014/main" id="{9E7A31BC-BB3D-4D6B-B315-C9C52C4BE34E}"/>
+              </a:ext>
+            </a:extLst>
+          </p:cNvPr>
+          <p:cNvSpPr txBox="1"/>
+          <p:nvPr/>
+        </p:nvSpPr>
+        <p:spPr>
+          <a:xfrm>
+            <a:off x="4323423" y="3429000"/>
+            <a:ext cx="1757779" cy="369332"/>
+          </a:xfrm>
+          <a:prstGeom prst="rect">
+            <a:avLst/>
+          </a:prstGeom>
+          <a:noFill/>
+        </p:spPr>
+        <p:txBody>
+          <a:bodyPr wrap="square" rtlCol="0">
+            <a:spAutoFit/>
+          </a:bodyPr>
+          <a:lstStyle/>
+          <a:p>
+            <a:r>
+              <a:rPr lang="en-US"/>
+              <a:t>Giá trị của Hằng</a:t>
+            </a:r>
+          </a:p>
+        </p:txBody>
+      </p:sp>
+      <p:cxnSp>
+        <p:nvCxnSpPr>
+          <p:cNvPr id="12" name="Straight Arrow Connector 11">
+            <a:extLst>
+              <a:ext uri="{FF2B5EF4-FFF2-40B4-BE49-F238E27FC236}">
+                <a16:creationId xmlns:a16="http://schemas.microsoft.com/office/drawing/2014/main" id="{9275A8FF-5908-4B23-B653-342AC6512C08}"/>
+              </a:ext>
+            </a:extLst>
+          </p:cNvPr>
+          <p:cNvCxnSpPr>
+            <a:cxnSpLocks/>
+          </p:cNvCxnSpPr>
+          <p:nvPr/>
+        </p:nvCxnSpPr>
+        <p:spPr>
+          <a:xfrm>
+            <a:off x="6096000" y="2574523"/>
+            <a:ext cx="2488707" cy="1162976"/>
+          </a:xfrm>
+          <a:prstGeom prst="straightConnector1">
+            <a:avLst/>
+          </a:prstGeom>
+          <a:ln>
+            <a:tailEnd type="triangle"/>
+          </a:ln>
+        </p:spPr>
+        <p:style>
+          <a:lnRef idx="1">
+            <a:schemeClr val="dk1"/>
+          </a:lnRef>
+          <a:fillRef idx="0">
+            <a:schemeClr val="dk1"/>
+          </a:fillRef>
+          <a:effectRef idx="0">
+            <a:schemeClr val="dk1"/>
+          </a:effectRef>
+          <a:fontRef idx="minor">
+            <a:schemeClr val="tx1"/>
+          </a:fontRef>
+        </p:style>
+      </p:cxnSp>
+      <p:sp>
+        <p:nvSpPr>
+          <p:cNvPr id="13" name="TextBox 12">
+            <a:extLst>
+              <a:ext uri="{FF2B5EF4-FFF2-40B4-BE49-F238E27FC236}">
+                <a16:creationId xmlns:a16="http://schemas.microsoft.com/office/drawing/2014/main" id="{E1B0114D-E589-4A75-997C-C44A8FA27AD9}"/>
+              </a:ext>
+            </a:extLst>
+          </p:cNvPr>
+          <p:cNvSpPr txBox="1"/>
+          <p:nvPr/>
+        </p:nvSpPr>
+        <p:spPr>
+          <a:xfrm>
+            <a:off x="7617041" y="3833801"/>
+            <a:ext cx="3897297" cy="646331"/>
+          </a:xfrm>
+          <a:prstGeom prst="rect">
+            <a:avLst/>
+          </a:prstGeom>
+          <a:noFill/>
+        </p:spPr>
+        <p:txBody>
+          <a:bodyPr wrap="square" rtlCol="0">
+            <a:spAutoFit/>
+          </a:bodyPr>
+          <a:lstStyle/>
+          <a:p>
+            <a:r>
+              <a:rPr lang="en-US"/>
+              <a:t>Giá trị “true” hoặc “False” để trang Web không phân biệt hoa th</a:t>
+            </a:r>
+            <a:r>
+              <a:rPr lang="vi-VN"/>
+              <a:t>ư</a:t>
+            </a:r>
+            <a:r>
+              <a:rPr lang="en-US"/>
+              <a:t>ờng.</a:t>
+            </a:r>
+          </a:p>
+        </p:txBody>
+      </p:sp>
+      <p:pic>
+        <p:nvPicPr>
+          <p:cNvPr id="17" name="Picture 16">
+            <a:extLst>
+              <a:ext uri="{FF2B5EF4-FFF2-40B4-BE49-F238E27FC236}">
+                <a16:creationId xmlns:a16="http://schemas.microsoft.com/office/drawing/2014/main" id="{F93291D4-A966-433E-BA26-71235DD41E36}"/>
+              </a:ext>
+            </a:extLst>
+          </p:cNvPr>
+          <p:cNvPicPr>
+            <a:picLocks noChangeAspect="1"/>
+          </p:cNvPicPr>
+          <p:nvPr/>
+        </p:nvPicPr>
+        <p:blipFill>
+          <a:blip r:embed="rId3"/>
+          <a:stretch>
+            <a:fillRect/>
+          </a:stretch>
+        </p:blipFill>
+        <p:spPr>
+          <a:xfrm>
+            <a:off x="317375" y="3932026"/>
+            <a:ext cx="3610479" cy="1228896"/>
+          </a:xfrm>
+          <a:prstGeom prst="rect">
+            <a:avLst/>
+          </a:prstGeom>
+        </p:spPr>
+      </p:pic>
+      <p:sp>
+        <p:nvSpPr>
+          <p:cNvPr id="18" name="TextBox 17">
+            <a:extLst>
+              <a:ext uri="{FF2B5EF4-FFF2-40B4-BE49-F238E27FC236}">
+                <a16:creationId xmlns:a16="http://schemas.microsoft.com/office/drawing/2014/main" id="{9C764A3D-86EE-4B43-8BAC-FD713BC784E3}"/>
+              </a:ext>
+            </a:extLst>
+          </p:cNvPr>
+          <p:cNvSpPr txBox="1"/>
+          <p:nvPr/>
+        </p:nvSpPr>
+        <p:spPr>
+          <a:xfrm>
+            <a:off x="5459765" y="5259773"/>
+            <a:ext cx="5912529" cy="369332"/>
+          </a:xfrm>
+          <a:prstGeom prst="rect">
+            <a:avLst/>
+          </a:prstGeom>
+          <a:noFill/>
+        </p:spPr>
+        <p:txBody>
+          <a:bodyPr wrap="square" rtlCol="0">
+            <a:spAutoFit/>
+          </a:bodyPr>
+          <a:lstStyle/>
+          <a:p>
+            <a:r>
+              <a:rPr lang="en-US"/>
+              <a:t>Phiên bản đã tự động không phân biệt hoa th</a:t>
+            </a:r>
+            <a:r>
+              <a:rPr lang="vi-VN"/>
+              <a:t>ư</a:t>
+            </a:r>
+            <a:r>
+              <a:rPr lang="en-US"/>
+              <a:t>ờng.</a:t>
+            </a:r>
+          </a:p>
+        </p:txBody>
+      </p:sp>
+      <p:cxnSp>
+        <p:nvCxnSpPr>
+          <p:cNvPr id="20" name="Straight Arrow Connector 19">
+            <a:extLst>
+              <a:ext uri="{FF2B5EF4-FFF2-40B4-BE49-F238E27FC236}">
+                <a16:creationId xmlns:a16="http://schemas.microsoft.com/office/drawing/2014/main" id="{03DE5AF7-A2B7-4019-A1BA-77E48AA682BF}"/>
+              </a:ext>
+            </a:extLst>
+          </p:cNvPr>
+          <p:cNvCxnSpPr>
+            <a:cxnSpLocks/>
+            <a:stCxn id="17" idx="3"/>
+          </p:cNvCxnSpPr>
+          <p:nvPr/>
+        </p:nvCxnSpPr>
+        <p:spPr>
+          <a:xfrm>
+            <a:off x="3927854" y="4546474"/>
+            <a:ext cx="1567424" cy="757896"/>
+          </a:xfrm>
+          <a:prstGeom prst="straightConnector1">
+            <a:avLst/>
+          </a:prstGeom>
+          <a:ln>
+            <a:tailEnd type="triangle"/>
+          </a:ln>
+        </p:spPr>
+        <p:style>
+          <a:lnRef idx="1">
+            <a:schemeClr val="dk1"/>
+          </a:lnRef>
+          <a:fillRef idx="0">
+            <a:schemeClr val="dk1"/>
+          </a:fillRef>
+          <a:effectRef idx="0">
+            <a:schemeClr val="dk1"/>
+          </a:effectRef>
+          <a:fontRef idx="minor">
+            <a:schemeClr val="tx1"/>
+          </a:fontRef>
+        </p:style>
+      </p:cxnSp>
+      <p:pic>
+        <p:nvPicPr>
+          <p:cNvPr id="24" name="Picture 23">
+            <a:extLst>
+              <a:ext uri="{FF2B5EF4-FFF2-40B4-BE49-F238E27FC236}">
+                <a16:creationId xmlns:a16="http://schemas.microsoft.com/office/drawing/2014/main" id="{DC2C17B5-49E2-4F82-A750-CC3B0F17EB24}"/>
+              </a:ext>
+            </a:extLst>
+          </p:cNvPr>
+          <p:cNvPicPr>
+            <a:picLocks noChangeAspect="1"/>
+          </p:cNvPicPr>
+          <p:nvPr/>
+        </p:nvPicPr>
+        <p:blipFill>
+          <a:blip r:embed="rId4"/>
+          <a:stretch>
+            <a:fillRect/>
+          </a:stretch>
+        </p:blipFill>
+        <p:spPr>
+          <a:xfrm>
+            <a:off x="317375" y="5452319"/>
+            <a:ext cx="4006048" cy="1228896"/>
+          </a:xfrm>
+          <a:prstGeom prst="rect">
+            <a:avLst/>
+          </a:prstGeom>
+        </p:spPr>
+      </p:pic>
     </p:spTree>
     <p:extLst>
       <p:ext uri="{BB962C8B-B14F-4D97-AF65-F5344CB8AC3E}">
@@ -4427,37 +4928,274 @@
             <p:ph type="title"/>
           </p:nvPr>
         </p:nvSpPr>
-        <p:spPr/>
-        <p:txBody>
-          <a:bodyPr/>
-          <a:lstStyle/>
-          <a:p>
-            <a:endParaRPr lang="en-US"/>
-          </a:p>
-        </p:txBody>
-      </p:sp>
-      <p:sp>
-        <p:nvSpPr>
-          <p:cNvPr id="3" name="Content Placeholder 2">
-            <a:extLst>
-              <a:ext uri="{FF2B5EF4-FFF2-40B4-BE49-F238E27FC236}">
-                <a16:creationId xmlns:a16="http://schemas.microsoft.com/office/drawing/2014/main" id="{C7FEF139-2166-4A94-9726-8DD7815C7DB3}"/>
-              </a:ext>
-            </a:extLst>
-          </p:cNvPr>
-          <p:cNvSpPr>
-            <a:spLocks noGrp="1"/>
-          </p:cNvSpPr>
-          <p:nvPr>
-            <p:ph idx="1"/>
-          </p:nvPr>
-        </p:nvSpPr>
-        <p:spPr/>
-        <p:txBody>
-          <a:bodyPr/>
-          <a:lstStyle/>
-          <a:p>
-            <a:endParaRPr lang="en-US"/>
+        <p:spPr>
+          <a:xfrm>
+            <a:off x="0" y="0"/>
+            <a:ext cx="8211845" cy="870012"/>
+          </a:xfrm>
+        </p:spPr>
+        <p:txBody>
+          <a:bodyPr>
+            <a:normAutofit/>
+          </a:bodyPr>
+          <a:lstStyle/>
+          <a:p>
+            <a:r>
+              <a:rPr lang="en-US"/>
+              <a:t>Bài 8: Nháy đ</a:t>
+            </a:r>
+            <a:r>
+              <a:rPr lang="vi-VN"/>
+              <a:t>ơ</a:t>
+            </a:r>
+            <a:r>
+              <a:rPr lang="en-US"/>
+              <a:t>n  ‘ ’  và nháy kép “ ”.</a:t>
+            </a:r>
+          </a:p>
+        </p:txBody>
+      </p:sp>
+      <p:pic>
+        <p:nvPicPr>
+          <p:cNvPr id="5" name="Picture 4">
+            <a:extLst>
+              <a:ext uri="{FF2B5EF4-FFF2-40B4-BE49-F238E27FC236}">
+                <a16:creationId xmlns:a16="http://schemas.microsoft.com/office/drawing/2014/main" id="{1D65123A-22D2-4C74-8820-70E13400F746}"/>
+              </a:ext>
+            </a:extLst>
+          </p:cNvPr>
+          <p:cNvPicPr>
+            <a:picLocks noChangeAspect="1"/>
+          </p:cNvPicPr>
+          <p:nvPr/>
+        </p:nvPicPr>
+        <p:blipFill>
+          <a:blip r:embed="rId2"/>
+          <a:stretch>
+            <a:fillRect/>
+          </a:stretch>
+        </p:blipFill>
+        <p:spPr>
+          <a:xfrm>
+            <a:off x="8620082" y="0"/>
+            <a:ext cx="2938645" cy="870012"/>
+          </a:xfrm>
+          <a:prstGeom prst="rect">
+            <a:avLst/>
+          </a:prstGeom>
+        </p:spPr>
+      </p:pic>
+      <p:pic>
+        <p:nvPicPr>
+          <p:cNvPr id="6" name="Picture 5">
+            <a:extLst>
+              <a:ext uri="{FF2B5EF4-FFF2-40B4-BE49-F238E27FC236}">
+                <a16:creationId xmlns:a16="http://schemas.microsoft.com/office/drawing/2014/main" id="{6A630C90-AB36-4269-8991-16109DFBA0BE}"/>
+              </a:ext>
+            </a:extLst>
+          </p:cNvPr>
+          <p:cNvPicPr>
+            <a:picLocks noChangeAspect="1"/>
+          </p:cNvPicPr>
+          <p:nvPr/>
+        </p:nvPicPr>
+        <p:blipFill>
+          <a:blip r:embed="rId3"/>
+          <a:stretch>
+            <a:fillRect/>
+          </a:stretch>
+        </p:blipFill>
+        <p:spPr>
+          <a:xfrm>
+            <a:off x="688780" y="1490054"/>
+            <a:ext cx="3019846" cy="1409897"/>
+          </a:xfrm>
+          <a:prstGeom prst="rect">
+            <a:avLst/>
+          </a:prstGeom>
+        </p:spPr>
+      </p:pic>
+      <p:cxnSp>
+        <p:nvCxnSpPr>
+          <p:cNvPr id="8" name="Straight Arrow Connector 7">
+            <a:extLst>
+              <a:ext uri="{FF2B5EF4-FFF2-40B4-BE49-F238E27FC236}">
+                <a16:creationId xmlns:a16="http://schemas.microsoft.com/office/drawing/2014/main" id="{DBB44B03-A01D-4FA3-9F42-0A64A0110B29}"/>
+              </a:ext>
+            </a:extLst>
+          </p:cNvPr>
+          <p:cNvCxnSpPr>
+            <a:cxnSpLocks/>
+            <a:endCxn id="9" idx="1"/>
+          </p:cNvCxnSpPr>
+          <p:nvPr/>
+        </p:nvCxnSpPr>
+        <p:spPr>
+          <a:xfrm flipV="1">
+            <a:off x="2938509" y="2096895"/>
+            <a:ext cx="3157491" cy="477629"/>
+          </a:xfrm>
+          <a:prstGeom prst="straightConnector1">
+            <a:avLst/>
+          </a:prstGeom>
+          <a:ln>
+            <a:tailEnd type="triangle"/>
+          </a:ln>
+        </p:spPr>
+        <p:style>
+          <a:lnRef idx="1">
+            <a:schemeClr val="dk1"/>
+          </a:lnRef>
+          <a:fillRef idx="0">
+            <a:schemeClr val="dk1"/>
+          </a:fillRef>
+          <a:effectRef idx="0">
+            <a:schemeClr val="dk1"/>
+          </a:effectRef>
+          <a:fontRef idx="minor">
+            <a:schemeClr val="tx1"/>
+          </a:fontRef>
+        </p:style>
+      </p:cxnSp>
+      <p:sp>
+        <p:nvSpPr>
+          <p:cNvPr id="9" name="TextBox 8">
+            <a:extLst>
+              <a:ext uri="{FF2B5EF4-FFF2-40B4-BE49-F238E27FC236}">
+                <a16:creationId xmlns:a16="http://schemas.microsoft.com/office/drawing/2014/main" id="{163826ED-067D-42DF-8349-19A5EC43FE46}"/>
+              </a:ext>
+            </a:extLst>
+          </p:cNvPr>
+          <p:cNvSpPr txBox="1"/>
+          <p:nvPr/>
+        </p:nvSpPr>
+        <p:spPr>
+          <a:xfrm>
+            <a:off x="6096000" y="1912229"/>
+            <a:ext cx="3019846" cy="369332"/>
+          </a:xfrm>
+          <a:prstGeom prst="rect">
+            <a:avLst/>
+          </a:prstGeom>
+          <a:noFill/>
+        </p:spPr>
+        <p:txBody>
+          <a:bodyPr wrap="square" rtlCol="0">
+            <a:spAutoFit/>
+          </a:bodyPr>
+          <a:lstStyle/>
+          <a:p>
+            <a:r>
+              <a:rPr lang="en-US"/>
+              <a:t>PHP nhận dạng đây là biến.</a:t>
+            </a:r>
+          </a:p>
+        </p:txBody>
+      </p:sp>
+      <p:pic>
+        <p:nvPicPr>
+          <p:cNvPr id="14" name="Picture 13">
+            <a:extLst>
+              <a:ext uri="{FF2B5EF4-FFF2-40B4-BE49-F238E27FC236}">
+                <a16:creationId xmlns:a16="http://schemas.microsoft.com/office/drawing/2014/main" id="{C8E34629-7311-4A80-9165-974ED9BFD3E4}"/>
+              </a:ext>
+            </a:extLst>
+          </p:cNvPr>
+          <p:cNvPicPr>
+            <a:picLocks noChangeAspect="1"/>
+          </p:cNvPicPr>
+          <p:nvPr/>
+        </p:nvPicPr>
+        <p:blipFill>
+          <a:blip r:embed="rId4"/>
+          <a:stretch>
+            <a:fillRect/>
+          </a:stretch>
+        </p:blipFill>
+        <p:spPr>
+          <a:xfrm>
+            <a:off x="688780" y="4203578"/>
+            <a:ext cx="3019846" cy="1636474"/>
+          </a:xfrm>
+          <a:prstGeom prst="rect">
+            <a:avLst/>
+          </a:prstGeom>
+        </p:spPr>
+      </p:pic>
+      <p:cxnSp>
+        <p:nvCxnSpPr>
+          <p:cNvPr id="16" name="Straight Arrow Connector 15">
+            <a:extLst>
+              <a:ext uri="{FF2B5EF4-FFF2-40B4-BE49-F238E27FC236}">
+                <a16:creationId xmlns:a16="http://schemas.microsoft.com/office/drawing/2014/main" id="{F2209334-3421-4032-9D8E-EC85264A53F3}"/>
+              </a:ext>
+            </a:extLst>
+          </p:cNvPr>
+          <p:cNvCxnSpPr>
+            <a:cxnSpLocks/>
+            <a:endCxn id="17" idx="1"/>
+          </p:cNvCxnSpPr>
+          <p:nvPr/>
+        </p:nvCxnSpPr>
+        <p:spPr>
+          <a:xfrm flipV="1">
+            <a:off x="3124940" y="4960841"/>
+            <a:ext cx="1136343" cy="294742"/>
+          </a:xfrm>
+          <a:prstGeom prst="straightConnector1">
+            <a:avLst/>
+          </a:prstGeom>
+          <a:ln>
+            <a:tailEnd type="triangle"/>
+          </a:ln>
+        </p:spPr>
+        <p:style>
+          <a:lnRef idx="1">
+            <a:schemeClr val="dk1"/>
+          </a:lnRef>
+          <a:fillRef idx="0">
+            <a:schemeClr val="dk1"/>
+          </a:fillRef>
+          <a:effectRef idx="0">
+            <a:schemeClr val="dk1"/>
+          </a:effectRef>
+          <a:fontRef idx="minor">
+            <a:schemeClr val="tx1"/>
+          </a:fontRef>
+        </p:style>
+      </p:cxnSp>
+      <p:sp>
+        <p:nvSpPr>
+          <p:cNvPr id="17" name="TextBox 16">
+            <a:extLst>
+              <a:ext uri="{FF2B5EF4-FFF2-40B4-BE49-F238E27FC236}">
+                <a16:creationId xmlns:a16="http://schemas.microsoft.com/office/drawing/2014/main" id="{70FB99D6-1C9E-45FF-842D-B3992DF801D6}"/>
+              </a:ext>
+            </a:extLst>
+          </p:cNvPr>
+          <p:cNvSpPr txBox="1"/>
+          <p:nvPr/>
+        </p:nvSpPr>
+        <p:spPr>
+          <a:xfrm>
+            <a:off x="4261283" y="4637675"/>
+            <a:ext cx="7838982" cy="646331"/>
+          </a:xfrm>
+          <a:prstGeom prst="rect">
+            <a:avLst/>
+          </a:prstGeom>
+          <a:noFill/>
+        </p:spPr>
+        <p:txBody>
+          <a:bodyPr wrap="square" rtlCol="0">
+            <a:spAutoFit/>
+          </a:bodyPr>
+          <a:lstStyle/>
+          <a:p>
+            <a:r>
+              <a:rPr lang="en-US"/>
+              <a:t>PHP không nhận dạng đây là biến nữa mà sẽ nhận dạng bên trong là một đoạn text.</a:t>
+            </a:r>
           </a:p>
         </p:txBody>
       </p:sp>
@@ -4507,40 +5245,326 @@
             <p:ph type="title"/>
           </p:nvPr>
         </p:nvSpPr>
-        <p:spPr/>
+        <p:spPr>
+          <a:xfrm>
+            <a:off x="0" y="0"/>
+            <a:ext cx="10515600" cy="797850"/>
+          </a:xfrm>
+        </p:spPr>
         <p:txBody>
           <a:bodyPr/>
           <a:lstStyle/>
           <a:p>
-            <a:endParaRPr lang="en-US"/>
-          </a:p>
-        </p:txBody>
-      </p:sp>
-      <p:sp>
-        <p:nvSpPr>
-          <p:cNvPr id="3" name="Content Placeholder 2">
-            <a:extLst>
-              <a:ext uri="{FF2B5EF4-FFF2-40B4-BE49-F238E27FC236}">
-                <a16:creationId xmlns:a16="http://schemas.microsoft.com/office/drawing/2014/main" id="{EDDB5371-FC46-488A-B2F5-3FF6B790E404}"/>
-              </a:ext>
-            </a:extLst>
-          </p:cNvPr>
-          <p:cNvSpPr>
-            <a:spLocks noGrp="1"/>
-          </p:cNvSpPr>
+            <a:r>
+              <a:rPr lang="en-US"/>
+              <a:t>Bài 9: Câu lệnh Echo</a:t>
+            </a:r>
+          </a:p>
+        </p:txBody>
+      </p:sp>
+      <p:pic>
+        <p:nvPicPr>
+          <p:cNvPr id="4" name="Content Placeholder 3">
+            <a:extLst>
+              <a:ext uri="{FF2B5EF4-FFF2-40B4-BE49-F238E27FC236}">
+                <a16:creationId xmlns:a16="http://schemas.microsoft.com/office/drawing/2014/main" id="{DA725CDD-4E65-43ED-8E9D-0F983C291D0B}"/>
+              </a:ext>
+            </a:extLst>
+          </p:cNvPr>
+          <p:cNvPicPr>
+            <a:picLocks noGrp="1" noChangeAspect="1"/>
+          </p:cNvPicPr>
           <p:nvPr>
             <p:ph idx="1"/>
           </p:nvPr>
-        </p:nvSpPr>
-        <p:spPr/>
-        <p:txBody>
-          <a:bodyPr/>
-          <a:lstStyle/>
-          <a:p>
-            <a:endParaRPr lang="en-US"/>
-          </a:p>
-        </p:txBody>
-      </p:sp>
+        </p:nvPicPr>
+        <p:blipFill>
+          <a:blip r:embed="rId2"/>
+          <a:stretch>
+            <a:fillRect/>
+          </a:stretch>
+        </p:blipFill>
+        <p:spPr>
+          <a:xfrm>
+            <a:off x="396668" y="749360"/>
+            <a:ext cx="4410691" cy="1762371"/>
+          </a:xfrm>
+          <a:prstGeom prst="rect">
+            <a:avLst/>
+          </a:prstGeom>
+        </p:spPr>
+      </p:pic>
+      <p:pic>
+        <p:nvPicPr>
+          <p:cNvPr id="5" name="Picture 4">
+            <a:extLst>
+              <a:ext uri="{FF2B5EF4-FFF2-40B4-BE49-F238E27FC236}">
+                <a16:creationId xmlns:a16="http://schemas.microsoft.com/office/drawing/2014/main" id="{10029CFD-AAA4-4D75-8D55-18C6C860F7F2}"/>
+              </a:ext>
+            </a:extLst>
+          </p:cNvPr>
+          <p:cNvPicPr>
+            <a:picLocks noChangeAspect="1"/>
+          </p:cNvPicPr>
+          <p:nvPr/>
+        </p:nvPicPr>
+        <p:blipFill>
+          <a:blip r:embed="rId3"/>
+          <a:stretch>
+            <a:fillRect/>
+          </a:stretch>
+        </p:blipFill>
+        <p:spPr>
+          <a:xfrm>
+            <a:off x="396668" y="2777119"/>
+            <a:ext cx="2734057" cy="971686"/>
+          </a:xfrm>
+          <a:prstGeom prst="rect">
+            <a:avLst/>
+          </a:prstGeom>
+        </p:spPr>
+      </p:pic>
+      <p:cxnSp>
+        <p:nvCxnSpPr>
+          <p:cNvPr id="7" name="Straight Arrow Connector 6">
+            <a:extLst>
+              <a:ext uri="{FF2B5EF4-FFF2-40B4-BE49-F238E27FC236}">
+                <a16:creationId xmlns:a16="http://schemas.microsoft.com/office/drawing/2014/main" id="{87CADF46-D5D8-4325-BFA4-D1020475E664}"/>
+              </a:ext>
+            </a:extLst>
+          </p:cNvPr>
+          <p:cNvCxnSpPr>
+            <a:cxnSpLocks/>
+            <a:endCxn id="10" idx="1"/>
+          </p:cNvCxnSpPr>
+          <p:nvPr/>
+        </p:nvCxnSpPr>
+        <p:spPr>
+          <a:xfrm>
+            <a:off x="2890908" y="3425516"/>
+            <a:ext cx="2767841" cy="20776"/>
+          </a:xfrm>
+          <a:prstGeom prst="straightConnector1">
+            <a:avLst/>
+          </a:prstGeom>
+          <a:ln>
+            <a:tailEnd type="triangle"/>
+          </a:ln>
+        </p:spPr>
+        <p:style>
+          <a:lnRef idx="1">
+            <a:schemeClr val="dk1"/>
+          </a:lnRef>
+          <a:fillRef idx="0">
+            <a:schemeClr val="dk1"/>
+          </a:fillRef>
+          <a:effectRef idx="0">
+            <a:schemeClr val="dk1"/>
+          </a:effectRef>
+          <a:fontRef idx="minor">
+            <a:schemeClr val="tx1"/>
+          </a:fontRef>
+        </p:style>
+      </p:cxnSp>
+      <p:sp>
+        <p:nvSpPr>
+          <p:cNvPr id="9" name="TextBox 8">
+            <a:extLst>
+              <a:ext uri="{FF2B5EF4-FFF2-40B4-BE49-F238E27FC236}">
+                <a16:creationId xmlns:a16="http://schemas.microsoft.com/office/drawing/2014/main" id="{37375F51-F74F-45C8-994D-C4E6606D3E1E}"/>
+              </a:ext>
+            </a:extLst>
+          </p:cNvPr>
+          <p:cNvSpPr txBox="1"/>
+          <p:nvPr/>
+        </p:nvSpPr>
+        <p:spPr>
+          <a:xfrm>
+            <a:off x="5658749" y="2327065"/>
+            <a:ext cx="5487166" cy="369332"/>
+          </a:xfrm>
+          <a:prstGeom prst="rect">
+            <a:avLst/>
+          </a:prstGeom>
+          <a:noFill/>
+        </p:spPr>
+        <p:txBody>
+          <a:bodyPr wrap="square" rtlCol="0">
+            <a:spAutoFit/>
+          </a:bodyPr>
+          <a:lstStyle/>
+          <a:p>
+            <a:r>
+              <a:rPr lang="en-US"/>
+              <a:t>Chèn thẻ h1 để in đậm nội dung.</a:t>
+            </a:r>
+          </a:p>
+        </p:txBody>
+      </p:sp>
+      <p:pic>
+        <p:nvPicPr>
+          <p:cNvPr id="10" name="Picture 9">
+            <a:extLst>
+              <a:ext uri="{FF2B5EF4-FFF2-40B4-BE49-F238E27FC236}">
+                <a16:creationId xmlns:a16="http://schemas.microsoft.com/office/drawing/2014/main" id="{C83F23E6-0F9F-4019-B655-00F6E73DD24B}"/>
+              </a:ext>
+            </a:extLst>
+          </p:cNvPr>
+          <p:cNvPicPr>
+            <a:picLocks noChangeAspect="1"/>
+          </p:cNvPicPr>
+          <p:nvPr/>
+        </p:nvPicPr>
+        <p:blipFill>
+          <a:blip r:embed="rId4"/>
+          <a:stretch>
+            <a:fillRect/>
+          </a:stretch>
+        </p:blipFill>
+        <p:spPr>
+          <a:xfrm>
+            <a:off x="5658749" y="2723030"/>
+            <a:ext cx="5487166" cy="1446524"/>
+          </a:xfrm>
+          <a:prstGeom prst="rect">
+            <a:avLst/>
+          </a:prstGeom>
+        </p:spPr>
+      </p:pic>
+      <p:pic>
+        <p:nvPicPr>
+          <p:cNvPr id="12" name="Picture 11">
+            <a:extLst>
+              <a:ext uri="{FF2B5EF4-FFF2-40B4-BE49-F238E27FC236}">
+                <a16:creationId xmlns:a16="http://schemas.microsoft.com/office/drawing/2014/main" id="{5E332280-C341-4FF9-A8BD-F74A9EDD137B}"/>
+              </a:ext>
+            </a:extLst>
+          </p:cNvPr>
+          <p:cNvPicPr>
+            <a:picLocks noChangeAspect="1"/>
+          </p:cNvPicPr>
+          <p:nvPr/>
+        </p:nvPicPr>
+        <p:blipFill>
+          <a:blip r:embed="rId5"/>
+          <a:stretch>
+            <a:fillRect/>
+          </a:stretch>
+        </p:blipFill>
+        <p:spPr>
+          <a:xfrm>
+            <a:off x="396668" y="4767307"/>
+            <a:ext cx="4262983" cy="1652513"/>
+          </a:xfrm>
+          <a:prstGeom prst="rect">
+            <a:avLst/>
+          </a:prstGeom>
+        </p:spPr>
+      </p:pic>
+      <p:cxnSp>
+        <p:nvCxnSpPr>
+          <p:cNvPr id="14" name="Straight Arrow Connector 13">
+            <a:extLst>
+              <a:ext uri="{FF2B5EF4-FFF2-40B4-BE49-F238E27FC236}">
+                <a16:creationId xmlns:a16="http://schemas.microsoft.com/office/drawing/2014/main" id="{279771F8-E3C0-457E-A5C9-F99A29057163}"/>
+              </a:ext>
+            </a:extLst>
+          </p:cNvPr>
+          <p:cNvCxnSpPr/>
+          <p:nvPr/>
+        </p:nvCxnSpPr>
+        <p:spPr>
+          <a:xfrm>
+            <a:off x="4412202" y="5078027"/>
+            <a:ext cx="1145219" cy="0"/>
+          </a:xfrm>
+          <a:prstGeom prst="straightConnector1">
+            <a:avLst/>
+          </a:prstGeom>
+          <a:ln>
+            <a:tailEnd type="triangle"/>
+          </a:ln>
+        </p:spPr>
+        <p:style>
+          <a:lnRef idx="1">
+            <a:schemeClr val="dk1"/>
+          </a:lnRef>
+          <a:fillRef idx="0">
+            <a:schemeClr val="dk1"/>
+          </a:fillRef>
+          <a:effectRef idx="0">
+            <a:schemeClr val="dk1"/>
+          </a:effectRef>
+          <a:fontRef idx="minor">
+            <a:schemeClr val="tx1"/>
+          </a:fontRef>
+        </p:style>
+      </p:cxnSp>
+      <p:sp>
+        <p:nvSpPr>
+          <p:cNvPr id="15" name="TextBox 14">
+            <a:extLst>
+              <a:ext uri="{FF2B5EF4-FFF2-40B4-BE49-F238E27FC236}">
+                <a16:creationId xmlns:a16="http://schemas.microsoft.com/office/drawing/2014/main" id="{79307ED2-0ED3-485C-8689-5E0CA8C603E6}"/>
+              </a:ext>
+            </a:extLst>
+          </p:cNvPr>
+          <p:cNvSpPr txBox="1"/>
+          <p:nvPr/>
+        </p:nvSpPr>
+        <p:spPr>
+          <a:xfrm>
+            <a:off x="5770485" y="4829452"/>
+            <a:ext cx="3923931" cy="369332"/>
+          </a:xfrm>
+          <a:prstGeom prst="rect">
+            <a:avLst/>
+          </a:prstGeom>
+          <a:noFill/>
+        </p:spPr>
+        <p:txBody>
+          <a:bodyPr wrap="square" rtlCol="0">
+            <a:spAutoFit/>
+          </a:bodyPr>
+          <a:lstStyle/>
+          <a:p>
+            <a:r>
+              <a:rPr lang="en-US"/>
+              <a:t>Thẻ &lt;br&gt; là thẻ xuống dòng.</a:t>
+            </a:r>
+          </a:p>
+        </p:txBody>
+      </p:sp>
+      <p:pic>
+        <p:nvPicPr>
+          <p:cNvPr id="17" name="Picture 16">
+            <a:extLst>
+              <a:ext uri="{FF2B5EF4-FFF2-40B4-BE49-F238E27FC236}">
+                <a16:creationId xmlns:a16="http://schemas.microsoft.com/office/drawing/2014/main" id="{E8A17A84-792B-4DD4-82E7-708A8A611598}"/>
+              </a:ext>
+            </a:extLst>
+          </p:cNvPr>
+          <p:cNvPicPr>
+            <a:picLocks noChangeAspect="1"/>
+          </p:cNvPicPr>
+          <p:nvPr/>
+        </p:nvPicPr>
+        <p:blipFill>
+          <a:blip r:embed="rId6"/>
+          <a:stretch>
+            <a:fillRect/>
+          </a:stretch>
+        </p:blipFill>
+        <p:spPr>
+          <a:xfrm>
+            <a:off x="5545584" y="5188548"/>
+            <a:ext cx="5344271" cy="1362265"/>
+          </a:xfrm>
+          <a:prstGeom prst="rect">
+            <a:avLst/>
+          </a:prstGeom>
+        </p:spPr>
+      </p:pic>
     </p:spTree>
     <p:extLst>
       <p:ext uri="{BB962C8B-B14F-4D97-AF65-F5344CB8AC3E}">
@@ -4571,53 +5595,139 @@
           <a:chExt cx="0" cy="0"/>
         </a:xfrm>
       </p:grpSpPr>
-      <p:sp>
-        <p:nvSpPr>
-          <p:cNvPr id="2" name="Title 1">
-            <a:extLst>
-              <a:ext uri="{FF2B5EF4-FFF2-40B4-BE49-F238E27FC236}">
-                <a16:creationId xmlns:a16="http://schemas.microsoft.com/office/drawing/2014/main" id="{205573B5-F450-4A1D-8297-E5AA8D97AED9}"/>
-              </a:ext>
-            </a:extLst>
-          </p:cNvPr>
-          <p:cNvSpPr>
-            <a:spLocks noGrp="1"/>
-          </p:cNvSpPr>
-          <p:nvPr>
-            <p:ph type="title"/>
-          </p:nvPr>
-        </p:nvSpPr>
-        <p:spPr/>
-        <p:txBody>
-          <a:bodyPr/>
-          <a:lstStyle/>
-          <a:p>
-            <a:endParaRPr lang="en-US"/>
-          </a:p>
-        </p:txBody>
-      </p:sp>
-      <p:sp>
-        <p:nvSpPr>
-          <p:cNvPr id="3" name="Content Placeholder 2">
-            <a:extLst>
-              <a:ext uri="{FF2B5EF4-FFF2-40B4-BE49-F238E27FC236}">
-                <a16:creationId xmlns:a16="http://schemas.microsoft.com/office/drawing/2014/main" id="{0A3D2394-934C-4A14-8AFA-2FFFFF06CB31}"/>
-              </a:ext>
-            </a:extLst>
-          </p:cNvPr>
-          <p:cNvSpPr>
-            <a:spLocks noGrp="1"/>
-          </p:cNvSpPr>
-          <p:nvPr>
-            <p:ph idx="1"/>
-          </p:nvPr>
-        </p:nvSpPr>
-        <p:spPr/>
-        <p:txBody>
-          <a:bodyPr/>
-          <a:lstStyle/>
-          <a:p>
-            <a:endParaRPr lang="en-US"/>
+      <p:pic>
+        <p:nvPicPr>
+          <p:cNvPr id="4" name="Picture 3">
+            <a:extLst>
+              <a:ext uri="{FF2B5EF4-FFF2-40B4-BE49-F238E27FC236}">
+                <a16:creationId xmlns:a16="http://schemas.microsoft.com/office/drawing/2014/main" id="{9594F64F-6C6D-4A16-B098-20BBA065FBBB}"/>
+              </a:ext>
+            </a:extLst>
+          </p:cNvPr>
+          <p:cNvPicPr>
+            <a:picLocks noChangeAspect="1"/>
+          </p:cNvPicPr>
+          <p:nvPr/>
+        </p:nvPicPr>
+        <p:blipFill>
+          <a:blip r:embed="rId2"/>
+          <a:stretch>
+            <a:fillRect/>
+          </a:stretch>
+        </p:blipFill>
+        <p:spPr>
+          <a:xfrm>
+            <a:off x="412371" y="337923"/>
+            <a:ext cx="4354938" cy="2562646"/>
+          </a:xfrm>
+          <a:prstGeom prst="rect">
+            <a:avLst/>
+          </a:prstGeom>
+        </p:spPr>
+      </p:pic>
+      <p:cxnSp>
+        <p:nvCxnSpPr>
+          <p:cNvPr id="6" name="Straight Arrow Connector 5">
+            <a:extLst>
+              <a:ext uri="{FF2B5EF4-FFF2-40B4-BE49-F238E27FC236}">
+                <a16:creationId xmlns:a16="http://schemas.microsoft.com/office/drawing/2014/main" id="{0635F17B-07B4-4382-BDFA-C4D8A8A5082A}"/>
+              </a:ext>
+            </a:extLst>
+          </p:cNvPr>
+          <p:cNvCxnSpPr>
+            <a:cxnSpLocks/>
+          </p:cNvCxnSpPr>
+          <p:nvPr/>
+        </p:nvCxnSpPr>
+        <p:spPr>
+          <a:xfrm flipV="1">
+            <a:off x="3586579" y="1091953"/>
+            <a:ext cx="3013507" cy="435007"/>
+          </a:xfrm>
+          <a:prstGeom prst="straightConnector1">
+            <a:avLst/>
+          </a:prstGeom>
+          <a:ln>
+            <a:tailEnd type="triangle"/>
+          </a:ln>
+        </p:spPr>
+        <p:style>
+          <a:lnRef idx="1">
+            <a:schemeClr val="dk1"/>
+          </a:lnRef>
+          <a:fillRef idx="0">
+            <a:schemeClr val="dk1"/>
+          </a:fillRef>
+          <a:effectRef idx="0">
+            <a:schemeClr val="dk1"/>
+          </a:effectRef>
+          <a:fontRef idx="minor">
+            <a:schemeClr val="tx1"/>
+          </a:fontRef>
+        </p:style>
+      </p:cxnSp>
+      <p:pic>
+        <p:nvPicPr>
+          <p:cNvPr id="2" name="Picture 1">
+            <a:extLst>
+              <a:ext uri="{FF2B5EF4-FFF2-40B4-BE49-F238E27FC236}">
+                <a16:creationId xmlns:a16="http://schemas.microsoft.com/office/drawing/2014/main" id="{E78036A7-F739-4B36-9B42-5C79AAF1EE69}"/>
+              </a:ext>
+            </a:extLst>
+          </p:cNvPr>
+          <p:cNvPicPr>
+            <a:picLocks noChangeAspect="1"/>
+          </p:cNvPicPr>
+          <p:nvPr/>
+        </p:nvPicPr>
+        <p:blipFill>
+          <a:blip r:embed="rId3"/>
+          <a:stretch>
+            <a:fillRect/>
+          </a:stretch>
+        </p:blipFill>
+        <p:spPr>
+          <a:xfrm>
+            <a:off x="6600086" y="337923"/>
+            <a:ext cx="4620270" cy="1743318"/>
+          </a:xfrm>
+          <a:prstGeom prst="rect">
+            <a:avLst/>
+          </a:prstGeom>
+        </p:spPr>
+      </p:pic>
+      <p:sp>
+        <p:nvSpPr>
+          <p:cNvPr id="8" name="TextBox 7">
+            <a:extLst>
+              <a:ext uri="{FF2B5EF4-FFF2-40B4-BE49-F238E27FC236}">
+                <a16:creationId xmlns:a16="http://schemas.microsoft.com/office/drawing/2014/main" id="{BE9DA386-7A53-440E-AD62-F099300A8634}"/>
+              </a:ext>
+            </a:extLst>
+          </p:cNvPr>
+          <p:cNvSpPr txBox="1"/>
+          <p:nvPr/>
+        </p:nvSpPr>
+        <p:spPr>
+          <a:xfrm>
+            <a:off x="6276514" y="1882066"/>
+            <a:ext cx="4429956" cy="369332"/>
+          </a:xfrm>
+          <a:prstGeom prst="rect">
+            <a:avLst/>
+          </a:prstGeom>
+          <a:noFill/>
+        </p:spPr>
+        <p:txBody>
+          <a:bodyPr wrap="square" rtlCol="0">
+            <a:spAutoFit/>
+          </a:bodyPr>
+          <a:lstStyle/>
+          <a:p>
+            <a:r>
+              <a:rPr lang="en-US"/>
+              <a:t>Nối đoạn văn bản bằng dấu chấm.</a:t>
+            </a:r>
           </a:p>
         </p:txBody>
       </p:sp>
@@ -4656,7 +5766,7 @@
           <p:cNvPr id="2" name="Title 1">
             <a:extLst>
               <a:ext uri="{FF2B5EF4-FFF2-40B4-BE49-F238E27FC236}">
-                <a16:creationId xmlns:a16="http://schemas.microsoft.com/office/drawing/2014/main" id="{C592798A-2D37-419D-B968-E496B6C7117C}"/>
+                <a16:creationId xmlns:a16="http://schemas.microsoft.com/office/drawing/2014/main" id="{92AC8BE6-4884-4FB9-B8AC-9AA82D60B7CA}"/>
               </a:ext>
             </a:extLst>
           </p:cNvPr>
@@ -4667,44 +5777,414 @@
             <p:ph type="title"/>
           </p:nvPr>
         </p:nvSpPr>
-        <p:spPr/>
-        <p:txBody>
-          <a:bodyPr/>
-          <a:lstStyle/>
-          <a:p>
-            <a:endParaRPr lang="en-US"/>
-          </a:p>
-        </p:txBody>
-      </p:sp>
-      <p:sp>
-        <p:nvSpPr>
-          <p:cNvPr id="3" name="Content Placeholder 2">
-            <a:extLst>
-              <a:ext uri="{FF2B5EF4-FFF2-40B4-BE49-F238E27FC236}">
-                <a16:creationId xmlns:a16="http://schemas.microsoft.com/office/drawing/2014/main" id="{E310C88C-2F70-4693-B400-C03B42B607AA}"/>
-              </a:ext>
-            </a:extLst>
-          </p:cNvPr>
-          <p:cNvSpPr>
-            <a:spLocks noGrp="1"/>
-          </p:cNvSpPr>
+        <p:spPr>
+          <a:xfrm>
+            <a:off x="0" y="1"/>
+            <a:ext cx="5317724" cy="585926"/>
+          </a:xfrm>
+        </p:spPr>
+        <p:txBody>
+          <a:bodyPr>
+            <a:normAutofit fontScale="90000"/>
+          </a:bodyPr>
+          <a:lstStyle/>
+          <a:p>
+            <a:r>
+              <a:rPr lang="en-US"/>
+              <a:t>Bài 10: Câu lệnh Print.</a:t>
+            </a:r>
+          </a:p>
+        </p:txBody>
+      </p:sp>
+      <p:pic>
+        <p:nvPicPr>
+          <p:cNvPr id="4" name="Content Placeholder 3">
+            <a:extLst>
+              <a:ext uri="{FF2B5EF4-FFF2-40B4-BE49-F238E27FC236}">
+                <a16:creationId xmlns:a16="http://schemas.microsoft.com/office/drawing/2014/main" id="{5CD53376-E610-461D-8306-81E7E021944B}"/>
+              </a:ext>
+            </a:extLst>
+          </p:cNvPr>
+          <p:cNvPicPr>
+            <a:picLocks noGrp="1" noChangeAspect="1"/>
+          </p:cNvPicPr>
           <p:nvPr>
             <p:ph idx="1"/>
           </p:nvPr>
-        </p:nvSpPr>
-        <p:spPr/>
-        <p:txBody>
-          <a:bodyPr/>
-          <a:lstStyle/>
-          <a:p>
-            <a:endParaRPr lang="en-US"/>
+        </p:nvPicPr>
+        <p:blipFill>
+          <a:blip r:embed="rId2"/>
+          <a:stretch>
+            <a:fillRect/>
+          </a:stretch>
+        </p:blipFill>
+        <p:spPr>
+          <a:xfrm>
+            <a:off x="311395" y="770458"/>
+            <a:ext cx="3923254" cy="2449422"/>
+          </a:xfrm>
+          <a:prstGeom prst="rect">
+            <a:avLst/>
+          </a:prstGeom>
+        </p:spPr>
+      </p:pic>
+      <p:sp>
+        <p:nvSpPr>
+          <p:cNvPr id="5" name="TextBox 4">
+            <a:extLst>
+              <a:ext uri="{FF2B5EF4-FFF2-40B4-BE49-F238E27FC236}">
+                <a16:creationId xmlns:a16="http://schemas.microsoft.com/office/drawing/2014/main" id="{60ACA393-5EB7-43B7-B8EF-D0BACFFC58CF}"/>
+              </a:ext>
+            </a:extLst>
+          </p:cNvPr>
+          <p:cNvSpPr txBox="1"/>
+          <p:nvPr/>
+        </p:nvSpPr>
+        <p:spPr>
+          <a:xfrm>
+            <a:off x="5415380" y="883153"/>
+            <a:ext cx="3543795" cy="369332"/>
+          </a:xfrm>
+          <a:prstGeom prst="rect">
+            <a:avLst/>
+          </a:prstGeom>
+          <a:noFill/>
+        </p:spPr>
+        <p:txBody>
+          <a:bodyPr wrap="square" rtlCol="0">
+            <a:spAutoFit/>
+          </a:bodyPr>
+          <a:lstStyle/>
+          <a:p>
+            <a:r>
+              <a:rPr lang="en-US"/>
+              <a:t>Đều là câu lệnh để in ra màn hình.</a:t>
+            </a:r>
+          </a:p>
+        </p:txBody>
+      </p:sp>
+      <p:sp>
+        <p:nvSpPr>
+          <p:cNvPr id="6" name="TextBox 5">
+            <a:extLst>
+              <a:ext uri="{FF2B5EF4-FFF2-40B4-BE49-F238E27FC236}">
+                <a16:creationId xmlns:a16="http://schemas.microsoft.com/office/drawing/2014/main" id="{06E630CD-5544-41A0-A985-3E2FA194BEEC}"/>
+              </a:ext>
+            </a:extLst>
+          </p:cNvPr>
+          <p:cNvSpPr txBox="1"/>
+          <p:nvPr/>
+        </p:nvSpPr>
+        <p:spPr>
+          <a:xfrm>
+            <a:off x="9260091" y="876990"/>
+            <a:ext cx="2724763" cy="369332"/>
+          </a:xfrm>
+          <a:prstGeom prst="rect">
+            <a:avLst/>
+          </a:prstGeom>
+          <a:noFill/>
+        </p:spPr>
+        <p:txBody>
+          <a:bodyPr wrap="square" rtlCol="0">
+            <a:spAutoFit/>
+          </a:bodyPr>
+          <a:lstStyle/>
+          <a:p>
+            <a:r>
+              <a:rPr lang="en-US"/>
+              <a:t>Print đ</a:t>
+            </a:r>
+            <a:r>
+              <a:rPr lang="vi-VN"/>
+              <a:t>ư</a:t>
+            </a:r>
+            <a:r>
+              <a:rPr lang="en-US"/>
+              <a:t>ợc sử dụng ít h</a:t>
+            </a:r>
+            <a:r>
+              <a:rPr lang="vi-VN"/>
+              <a:t>ơ</a:t>
+            </a:r>
+            <a:r>
+              <a:rPr lang="en-US"/>
+              <a:t>n.</a:t>
+            </a:r>
+          </a:p>
+        </p:txBody>
+      </p:sp>
+      <p:pic>
+        <p:nvPicPr>
+          <p:cNvPr id="7" name="Picture 6">
+            <a:extLst>
+              <a:ext uri="{FF2B5EF4-FFF2-40B4-BE49-F238E27FC236}">
+                <a16:creationId xmlns:a16="http://schemas.microsoft.com/office/drawing/2014/main" id="{451DD8F0-E988-4C63-8FF6-BE61A34C4F25}"/>
+              </a:ext>
+            </a:extLst>
+          </p:cNvPr>
+          <p:cNvPicPr>
+            <a:picLocks noChangeAspect="1"/>
+          </p:cNvPicPr>
+          <p:nvPr/>
+        </p:nvPicPr>
+        <p:blipFill>
+          <a:blip r:embed="rId3"/>
+          <a:stretch>
+            <a:fillRect/>
+          </a:stretch>
+        </p:blipFill>
+        <p:spPr>
+          <a:xfrm>
+            <a:off x="328854" y="3705960"/>
+            <a:ext cx="3905795" cy="2381582"/>
+          </a:xfrm>
+          <a:prstGeom prst="rect">
+            <a:avLst/>
+          </a:prstGeom>
+        </p:spPr>
+      </p:pic>
+      <p:cxnSp>
+        <p:nvCxnSpPr>
+          <p:cNvPr id="9" name="Straight Arrow Connector 8">
+            <a:extLst>
+              <a:ext uri="{FF2B5EF4-FFF2-40B4-BE49-F238E27FC236}">
+                <a16:creationId xmlns:a16="http://schemas.microsoft.com/office/drawing/2014/main" id="{5E060502-52D4-402A-9A09-672068DE87F1}"/>
+              </a:ext>
+            </a:extLst>
+          </p:cNvPr>
+          <p:cNvCxnSpPr>
+            <a:cxnSpLocks/>
+            <a:endCxn id="11" idx="1"/>
+          </p:cNvCxnSpPr>
+          <p:nvPr/>
+        </p:nvCxnSpPr>
+        <p:spPr>
+          <a:xfrm flipV="1">
+            <a:off x="4074850" y="3822787"/>
+            <a:ext cx="1748901" cy="988912"/>
+          </a:xfrm>
+          <a:prstGeom prst="straightConnector1">
+            <a:avLst/>
+          </a:prstGeom>
+          <a:ln>
+            <a:tailEnd type="triangle"/>
+          </a:ln>
+        </p:spPr>
+        <p:style>
+          <a:lnRef idx="1">
+            <a:schemeClr val="dk1"/>
+          </a:lnRef>
+          <a:fillRef idx="0">
+            <a:schemeClr val="dk1"/>
+          </a:fillRef>
+          <a:effectRef idx="0">
+            <a:schemeClr val="dk1"/>
+          </a:effectRef>
+          <a:fontRef idx="minor">
+            <a:schemeClr val="tx1"/>
+          </a:fontRef>
+        </p:style>
+      </p:cxnSp>
+      <p:sp>
+        <p:nvSpPr>
+          <p:cNvPr id="11" name="TextBox 10">
+            <a:extLst>
+              <a:ext uri="{FF2B5EF4-FFF2-40B4-BE49-F238E27FC236}">
+                <a16:creationId xmlns:a16="http://schemas.microsoft.com/office/drawing/2014/main" id="{DF6313B9-1A7E-4FE9-AD0F-671A0C2E59F1}"/>
+              </a:ext>
+            </a:extLst>
+          </p:cNvPr>
+          <p:cNvSpPr txBox="1"/>
+          <p:nvPr/>
+        </p:nvSpPr>
+        <p:spPr>
+          <a:xfrm>
+            <a:off x="5823751" y="3638121"/>
+            <a:ext cx="5086905" cy="369332"/>
+          </a:xfrm>
+          <a:prstGeom prst="rect">
+            <a:avLst/>
+          </a:prstGeom>
+          <a:noFill/>
+        </p:spPr>
+        <p:txBody>
+          <a:bodyPr wrap="square" rtlCol="0">
+            <a:spAutoFit/>
+          </a:bodyPr>
+          <a:lstStyle/>
+          <a:p>
+            <a:r>
+              <a:rPr lang="en-US"/>
+              <a:t>echo sẽ hiểu là 5 ký tự còn print sẽ chỉ hiểu đó là 1.</a:t>
+            </a:r>
           </a:p>
         </p:txBody>
       </p:sp>
     </p:spTree>
     <p:extLst>
       <p:ext uri="{BB962C8B-B14F-4D97-AF65-F5344CB8AC3E}">
-        <p14:creationId xmlns:p14="http://schemas.microsoft.com/office/powerpoint/2010/main" val="3221674568"/>
+        <p14:creationId xmlns:p14="http://schemas.microsoft.com/office/powerpoint/2010/main" val="2001685208"/>
+      </p:ext>
+    </p:extLst>
+  </p:cSld>
+  <p:clrMapOvr>
+    <a:masterClrMapping/>
+  </p:clrMapOvr>
+</p:sld>
+</file>
+
+<file path=ppt/slides/slide18.xml><?xml version="1.0" encoding="utf-8"?>
+<p:sld xmlns:a="http://schemas.openxmlformats.org/drawingml/2006/main" xmlns:r="http://schemas.openxmlformats.org/officeDocument/2006/relationships" xmlns:p="http://schemas.openxmlformats.org/presentationml/2006/main">
+  <p:cSld>
+    <p:spTree>
+      <p:nvGrpSpPr>
+        <p:cNvPr id="1" name=""/>
+        <p:cNvGrpSpPr/>
+        <p:nvPr/>
+      </p:nvGrpSpPr>
+      <p:grpSpPr>
+        <a:xfrm>
+          <a:off x="0" y="0"/>
+          <a:ext cx="0" cy="0"/>
+          <a:chOff x="0" y="0"/>
+          <a:chExt cx="0" cy="0"/>
+        </a:xfrm>
+      </p:grpSpPr>
+      <p:sp>
+        <p:nvSpPr>
+          <p:cNvPr id="2" name="Title 1">
+            <a:extLst>
+              <a:ext uri="{FF2B5EF4-FFF2-40B4-BE49-F238E27FC236}">
+                <a16:creationId xmlns:a16="http://schemas.microsoft.com/office/drawing/2014/main" id="{1A8A1472-01C4-4304-8A71-AF8FA43ADDF6}"/>
+              </a:ext>
+            </a:extLst>
+          </p:cNvPr>
+          <p:cNvSpPr>
+            <a:spLocks noGrp="1"/>
+          </p:cNvSpPr>
+          <p:nvPr>
+            <p:ph type="title"/>
+          </p:nvPr>
+        </p:nvSpPr>
+        <p:spPr/>
+        <p:txBody>
+          <a:bodyPr/>
+          <a:lstStyle/>
+          <a:p>
+            <a:endParaRPr lang="en-US"/>
+          </a:p>
+        </p:txBody>
+      </p:sp>
+      <p:sp>
+        <p:nvSpPr>
+          <p:cNvPr id="3" name="Content Placeholder 2">
+            <a:extLst>
+              <a:ext uri="{FF2B5EF4-FFF2-40B4-BE49-F238E27FC236}">
+                <a16:creationId xmlns:a16="http://schemas.microsoft.com/office/drawing/2014/main" id="{D005B082-65BF-491A-B818-4AE4E3718A1F}"/>
+              </a:ext>
+            </a:extLst>
+          </p:cNvPr>
+          <p:cNvSpPr>
+            <a:spLocks noGrp="1"/>
+          </p:cNvSpPr>
+          <p:nvPr>
+            <p:ph idx="1"/>
+          </p:nvPr>
+        </p:nvSpPr>
+        <p:spPr/>
+        <p:txBody>
+          <a:bodyPr/>
+          <a:lstStyle/>
+          <a:p>
+            <a:endParaRPr lang="en-US"/>
+          </a:p>
+        </p:txBody>
+      </p:sp>
+    </p:spTree>
+    <p:extLst>
+      <p:ext uri="{BB962C8B-B14F-4D97-AF65-F5344CB8AC3E}">
+        <p14:creationId xmlns:p14="http://schemas.microsoft.com/office/powerpoint/2010/main" val="2932080148"/>
+      </p:ext>
+    </p:extLst>
+  </p:cSld>
+  <p:clrMapOvr>
+    <a:masterClrMapping/>
+  </p:clrMapOvr>
+</p:sld>
+</file>
+
+<file path=ppt/slides/slide19.xml><?xml version="1.0" encoding="utf-8"?>
+<p:sld xmlns:a="http://schemas.openxmlformats.org/drawingml/2006/main" xmlns:r="http://schemas.openxmlformats.org/officeDocument/2006/relationships" xmlns:p="http://schemas.openxmlformats.org/presentationml/2006/main">
+  <p:cSld>
+    <p:spTree>
+      <p:nvGrpSpPr>
+        <p:cNvPr id="1" name=""/>
+        <p:cNvGrpSpPr/>
+        <p:nvPr/>
+      </p:nvGrpSpPr>
+      <p:grpSpPr>
+        <a:xfrm>
+          <a:off x="0" y="0"/>
+          <a:ext cx="0" cy="0"/>
+          <a:chOff x="0" y="0"/>
+          <a:chExt cx="0" cy="0"/>
+        </a:xfrm>
+      </p:grpSpPr>
+      <p:sp>
+        <p:nvSpPr>
+          <p:cNvPr id="2" name="Title 1">
+            <a:extLst>
+              <a:ext uri="{FF2B5EF4-FFF2-40B4-BE49-F238E27FC236}">
+                <a16:creationId xmlns:a16="http://schemas.microsoft.com/office/drawing/2014/main" id="{62219314-7CD9-4195-8B10-785E2659E0B8}"/>
+              </a:ext>
+            </a:extLst>
+          </p:cNvPr>
+          <p:cNvSpPr>
+            <a:spLocks noGrp="1"/>
+          </p:cNvSpPr>
+          <p:nvPr>
+            <p:ph type="title"/>
+          </p:nvPr>
+        </p:nvSpPr>
+        <p:spPr/>
+        <p:txBody>
+          <a:bodyPr/>
+          <a:lstStyle/>
+          <a:p>
+            <a:endParaRPr lang="en-US"/>
+          </a:p>
+        </p:txBody>
+      </p:sp>
+      <p:sp>
+        <p:nvSpPr>
+          <p:cNvPr id="3" name="Content Placeholder 2">
+            <a:extLst>
+              <a:ext uri="{FF2B5EF4-FFF2-40B4-BE49-F238E27FC236}">
+                <a16:creationId xmlns:a16="http://schemas.microsoft.com/office/drawing/2014/main" id="{1CF657E8-EA06-48AE-8972-BE449AB7D404}"/>
+              </a:ext>
+            </a:extLst>
+          </p:cNvPr>
+          <p:cNvSpPr>
+            <a:spLocks noGrp="1"/>
+          </p:cNvSpPr>
+          <p:nvPr>
+            <p:ph idx="1"/>
+          </p:nvPr>
+        </p:nvSpPr>
+        <p:spPr/>
+        <p:txBody>
+          <a:bodyPr/>
+          <a:lstStyle/>
+          <a:p>
+            <a:endParaRPr lang="en-US"/>
+          </a:p>
+        </p:txBody>
+      </p:sp>
+    </p:spTree>
+    <p:extLst>
+      <p:ext uri="{BB962C8B-B14F-4D97-AF65-F5344CB8AC3E}">
+        <p14:creationId xmlns:p14="http://schemas.microsoft.com/office/powerpoint/2010/main" val="2703784887"/>
       </p:ext>
     </p:extLst>
   </p:cSld>
@@ -4953,6 +6433,566 @@
 </p:sld>
 </file>
 
+<file path=ppt/slides/slide20.xml><?xml version="1.0" encoding="utf-8"?>
+<p:sld xmlns:a="http://schemas.openxmlformats.org/drawingml/2006/main" xmlns:r="http://schemas.openxmlformats.org/officeDocument/2006/relationships" xmlns:p="http://schemas.openxmlformats.org/presentationml/2006/main">
+  <p:cSld>
+    <p:spTree>
+      <p:nvGrpSpPr>
+        <p:cNvPr id="1" name=""/>
+        <p:cNvGrpSpPr/>
+        <p:nvPr/>
+      </p:nvGrpSpPr>
+      <p:grpSpPr>
+        <a:xfrm>
+          <a:off x="0" y="0"/>
+          <a:ext cx="0" cy="0"/>
+          <a:chOff x="0" y="0"/>
+          <a:chExt cx="0" cy="0"/>
+        </a:xfrm>
+      </p:grpSpPr>
+      <p:sp>
+        <p:nvSpPr>
+          <p:cNvPr id="2" name="Title 1">
+            <a:extLst>
+              <a:ext uri="{FF2B5EF4-FFF2-40B4-BE49-F238E27FC236}">
+                <a16:creationId xmlns:a16="http://schemas.microsoft.com/office/drawing/2014/main" id="{4260A0A2-EBDE-4710-BC94-A5F923A00852}"/>
+              </a:ext>
+            </a:extLst>
+          </p:cNvPr>
+          <p:cNvSpPr>
+            <a:spLocks noGrp="1"/>
+          </p:cNvSpPr>
+          <p:nvPr>
+            <p:ph type="title"/>
+          </p:nvPr>
+        </p:nvSpPr>
+        <p:spPr/>
+        <p:txBody>
+          <a:bodyPr/>
+          <a:lstStyle/>
+          <a:p>
+            <a:endParaRPr lang="en-US"/>
+          </a:p>
+        </p:txBody>
+      </p:sp>
+      <p:sp>
+        <p:nvSpPr>
+          <p:cNvPr id="3" name="Content Placeholder 2">
+            <a:extLst>
+              <a:ext uri="{FF2B5EF4-FFF2-40B4-BE49-F238E27FC236}">
+                <a16:creationId xmlns:a16="http://schemas.microsoft.com/office/drawing/2014/main" id="{FE1D6AD2-23A7-4463-949E-B009119836F9}"/>
+              </a:ext>
+            </a:extLst>
+          </p:cNvPr>
+          <p:cNvSpPr>
+            <a:spLocks noGrp="1"/>
+          </p:cNvSpPr>
+          <p:nvPr>
+            <p:ph idx="1"/>
+          </p:nvPr>
+        </p:nvSpPr>
+        <p:spPr/>
+        <p:txBody>
+          <a:bodyPr/>
+          <a:lstStyle/>
+          <a:p>
+            <a:endParaRPr lang="en-US"/>
+          </a:p>
+        </p:txBody>
+      </p:sp>
+    </p:spTree>
+    <p:extLst>
+      <p:ext uri="{BB962C8B-B14F-4D97-AF65-F5344CB8AC3E}">
+        <p14:creationId xmlns:p14="http://schemas.microsoft.com/office/powerpoint/2010/main" val="1935334429"/>
+      </p:ext>
+    </p:extLst>
+  </p:cSld>
+  <p:clrMapOvr>
+    <a:masterClrMapping/>
+  </p:clrMapOvr>
+</p:sld>
+</file>
+
+<file path=ppt/slides/slide21.xml><?xml version="1.0" encoding="utf-8"?>
+<p:sld xmlns:a="http://schemas.openxmlformats.org/drawingml/2006/main" xmlns:r="http://schemas.openxmlformats.org/officeDocument/2006/relationships" xmlns:p="http://schemas.openxmlformats.org/presentationml/2006/main">
+  <p:cSld>
+    <p:spTree>
+      <p:nvGrpSpPr>
+        <p:cNvPr id="1" name=""/>
+        <p:cNvGrpSpPr/>
+        <p:nvPr/>
+      </p:nvGrpSpPr>
+      <p:grpSpPr>
+        <a:xfrm>
+          <a:off x="0" y="0"/>
+          <a:ext cx="0" cy="0"/>
+          <a:chOff x="0" y="0"/>
+          <a:chExt cx="0" cy="0"/>
+        </a:xfrm>
+      </p:grpSpPr>
+      <p:sp>
+        <p:nvSpPr>
+          <p:cNvPr id="2" name="Title 1">
+            <a:extLst>
+              <a:ext uri="{FF2B5EF4-FFF2-40B4-BE49-F238E27FC236}">
+                <a16:creationId xmlns:a16="http://schemas.microsoft.com/office/drawing/2014/main" id="{97FFF138-51DB-4EBA-8298-AAF841F30F65}"/>
+              </a:ext>
+            </a:extLst>
+          </p:cNvPr>
+          <p:cNvSpPr>
+            <a:spLocks noGrp="1"/>
+          </p:cNvSpPr>
+          <p:nvPr>
+            <p:ph type="title"/>
+          </p:nvPr>
+        </p:nvSpPr>
+        <p:spPr/>
+        <p:txBody>
+          <a:bodyPr/>
+          <a:lstStyle/>
+          <a:p>
+            <a:endParaRPr lang="en-US"/>
+          </a:p>
+        </p:txBody>
+      </p:sp>
+      <p:sp>
+        <p:nvSpPr>
+          <p:cNvPr id="3" name="Content Placeholder 2">
+            <a:extLst>
+              <a:ext uri="{FF2B5EF4-FFF2-40B4-BE49-F238E27FC236}">
+                <a16:creationId xmlns:a16="http://schemas.microsoft.com/office/drawing/2014/main" id="{C325A82C-9C88-404A-8F5C-35D204E0F967}"/>
+              </a:ext>
+            </a:extLst>
+          </p:cNvPr>
+          <p:cNvSpPr>
+            <a:spLocks noGrp="1"/>
+          </p:cNvSpPr>
+          <p:nvPr>
+            <p:ph idx="1"/>
+          </p:nvPr>
+        </p:nvSpPr>
+        <p:spPr/>
+        <p:txBody>
+          <a:bodyPr/>
+          <a:lstStyle/>
+          <a:p>
+            <a:endParaRPr lang="en-US"/>
+          </a:p>
+        </p:txBody>
+      </p:sp>
+    </p:spTree>
+    <p:extLst>
+      <p:ext uri="{BB962C8B-B14F-4D97-AF65-F5344CB8AC3E}">
+        <p14:creationId xmlns:p14="http://schemas.microsoft.com/office/powerpoint/2010/main" val="1680985984"/>
+      </p:ext>
+    </p:extLst>
+  </p:cSld>
+  <p:clrMapOvr>
+    <a:masterClrMapping/>
+  </p:clrMapOvr>
+</p:sld>
+</file>
+
+<file path=ppt/slides/slide22.xml><?xml version="1.0" encoding="utf-8"?>
+<p:sld xmlns:a="http://schemas.openxmlformats.org/drawingml/2006/main" xmlns:r="http://schemas.openxmlformats.org/officeDocument/2006/relationships" xmlns:p="http://schemas.openxmlformats.org/presentationml/2006/main">
+  <p:cSld>
+    <p:spTree>
+      <p:nvGrpSpPr>
+        <p:cNvPr id="1" name=""/>
+        <p:cNvGrpSpPr/>
+        <p:nvPr/>
+      </p:nvGrpSpPr>
+      <p:grpSpPr>
+        <a:xfrm>
+          <a:off x="0" y="0"/>
+          <a:ext cx="0" cy="0"/>
+          <a:chOff x="0" y="0"/>
+          <a:chExt cx="0" cy="0"/>
+        </a:xfrm>
+      </p:grpSpPr>
+      <p:sp>
+        <p:nvSpPr>
+          <p:cNvPr id="2" name="Title 1">
+            <a:extLst>
+              <a:ext uri="{FF2B5EF4-FFF2-40B4-BE49-F238E27FC236}">
+                <a16:creationId xmlns:a16="http://schemas.microsoft.com/office/drawing/2014/main" id="{3D9E6EF0-00CC-43F7-BFA8-34DB4F3A674A}"/>
+              </a:ext>
+            </a:extLst>
+          </p:cNvPr>
+          <p:cNvSpPr>
+            <a:spLocks noGrp="1"/>
+          </p:cNvSpPr>
+          <p:nvPr>
+            <p:ph type="title"/>
+          </p:nvPr>
+        </p:nvSpPr>
+        <p:spPr/>
+        <p:txBody>
+          <a:bodyPr/>
+          <a:lstStyle/>
+          <a:p>
+            <a:endParaRPr lang="en-US"/>
+          </a:p>
+        </p:txBody>
+      </p:sp>
+      <p:sp>
+        <p:nvSpPr>
+          <p:cNvPr id="3" name="Content Placeholder 2">
+            <a:extLst>
+              <a:ext uri="{FF2B5EF4-FFF2-40B4-BE49-F238E27FC236}">
+                <a16:creationId xmlns:a16="http://schemas.microsoft.com/office/drawing/2014/main" id="{405DC31E-F9DB-48BA-9523-727D4AE0BEE6}"/>
+              </a:ext>
+            </a:extLst>
+          </p:cNvPr>
+          <p:cNvSpPr>
+            <a:spLocks noGrp="1"/>
+          </p:cNvSpPr>
+          <p:nvPr>
+            <p:ph idx="1"/>
+          </p:nvPr>
+        </p:nvSpPr>
+        <p:spPr/>
+        <p:txBody>
+          <a:bodyPr/>
+          <a:lstStyle/>
+          <a:p>
+            <a:endParaRPr lang="en-US"/>
+          </a:p>
+        </p:txBody>
+      </p:sp>
+    </p:spTree>
+    <p:extLst>
+      <p:ext uri="{BB962C8B-B14F-4D97-AF65-F5344CB8AC3E}">
+        <p14:creationId xmlns:p14="http://schemas.microsoft.com/office/powerpoint/2010/main" val="1040249249"/>
+      </p:ext>
+    </p:extLst>
+  </p:cSld>
+  <p:clrMapOvr>
+    <a:masterClrMapping/>
+  </p:clrMapOvr>
+</p:sld>
+</file>
+
+<file path=ppt/slides/slide23.xml><?xml version="1.0" encoding="utf-8"?>
+<p:sld xmlns:a="http://schemas.openxmlformats.org/drawingml/2006/main" xmlns:r="http://schemas.openxmlformats.org/officeDocument/2006/relationships" xmlns:p="http://schemas.openxmlformats.org/presentationml/2006/main">
+  <p:cSld>
+    <p:spTree>
+      <p:nvGrpSpPr>
+        <p:cNvPr id="1" name=""/>
+        <p:cNvGrpSpPr/>
+        <p:nvPr/>
+      </p:nvGrpSpPr>
+      <p:grpSpPr>
+        <a:xfrm>
+          <a:off x="0" y="0"/>
+          <a:ext cx="0" cy="0"/>
+          <a:chOff x="0" y="0"/>
+          <a:chExt cx="0" cy="0"/>
+        </a:xfrm>
+      </p:grpSpPr>
+      <p:sp>
+        <p:nvSpPr>
+          <p:cNvPr id="2" name="Title 1">
+            <a:extLst>
+              <a:ext uri="{FF2B5EF4-FFF2-40B4-BE49-F238E27FC236}">
+                <a16:creationId xmlns:a16="http://schemas.microsoft.com/office/drawing/2014/main" id="{907ED0CF-760E-4701-B652-DBE1D86C09D5}"/>
+              </a:ext>
+            </a:extLst>
+          </p:cNvPr>
+          <p:cNvSpPr>
+            <a:spLocks noGrp="1"/>
+          </p:cNvSpPr>
+          <p:nvPr>
+            <p:ph type="title"/>
+          </p:nvPr>
+        </p:nvSpPr>
+        <p:spPr/>
+        <p:txBody>
+          <a:bodyPr/>
+          <a:lstStyle/>
+          <a:p>
+            <a:endParaRPr lang="en-US"/>
+          </a:p>
+        </p:txBody>
+      </p:sp>
+      <p:sp>
+        <p:nvSpPr>
+          <p:cNvPr id="3" name="Content Placeholder 2">
+            <a:extLst>
+              <a:ext uri="{FF2B5EF4-FFF2-40B4-BE49-F238E27FC236}">
+                <a16:creationId xmlns:a16="http://schemas.microsoft.com/office/drawing/2014/main" id="{9381DC6E-23ED-45FB-96B7-90BFE80BA10F}"/>
+              </a:ext>
+            </a:extLst>
+          </p:cNvPr>
+          <p:cNvSpPr>
+            <a:spLocks noGrp="1"/>
+          </p:cNvSpPr>
+          <p:nvPr>
+            <p:ph idx="1"/>
+          </p:nvPr>
+        </p:nvSpPr>
+        <p:spPr/>
+        <p:txBody>
+          <a:bodyPr/>
+          <a:lstStyle/>
+          <a:p>
+            <a:endParaRPr lang="en-US"/>
+          </a:p>
+        </p:txBody>
+      </p:sp>
+    </p:spTree>
+    <p:extLst>
+      <p:ext uri="{BB962C8B-B14F-4D97-AF65-F5344CB8AC3E}">
+        <p14:creationId xmlns:p14="http://schemas.microsoft.com/office/powerpoint/2010/main" val="1179625799"/>
+      </p:ext>
+    </p:extLst>
+  </p:cSld>
+  <p:clrMapOvr>
+    <a:masterClrMapping/>
+  </p:clrMapOvr>
+</p:sld>
+</file>
+
+<file path=ppt/slides/slide24.xml><?xml version="1.0" encoding="utf-8"?>
+<p:sld xmlns:a="http://schemas.openxmlformats.org/drawingml/2006/main" xmlns:r="http://schemas.openxmlformats.org/officeDocument/2006/relationships" xmlns:p="http://schemas.openxmlformats.org/presentationml/2006/main">
+  <p:cSld>
+    <p:spTree>
+      <p:nvGrpSpPr>
+        <p:cNvPr id="1" name=""/>
+        <p:cNvGrpSpPr/>
+        <p:nvPr/>
+      </p:nvGrpSpPr>
+      <p:grpSpPr>
+        <a:xfrm>
+          <a:off x="0" y="0"/>
+          <a:ext cx="0" cy="0"/>
+          <a:chOff x="0" y="0"/>
+          <a:chExt cx="0" cy="0"/>
+        </a:xfrm>
+      </p:grpSpPr>
+      <p:sp>
+        <p:nvSpPr>
+          <p:cNvPr id="2" name="Title 1">
+            <a:extLst>
+              <a:ext uri="{FF2B5EF4-FFF2-40B4-BE49-F238E27FC236}">
+                <a16:creationId xmlns:a16="http://schemas.microsoft.com/office/drawing/2014/main" id="{8A7DAA86-689D-4953-8BFF-56A1719677A4}"/>
+              </a:ext>
+            </a:extLst>
+          </p:cNvPr>
+          <p:cNvSpPr>
+            <a:spLocks noGrp="1"/>
+          </p:cNvSpPr>
+          <p:nvPr>
+            <p:ph type="title"/>
+          </p:nvPr>
+        </p:nvSpPr>
+        <p:spPr/>
+        <p:txBody>
+          <a:bodyPr/>
+          <a:lstStyle/>
+          <a:p>
+            <a:endParaRPr lang="en-US"/>
+          </a:p>
+        </p:txBody>
+      </p:sp>
+      <p:sp>
+        <p:nvSpPr>
+          <p:cNvPr id="3" name="Content Placeholder 2">
+            <a:extLst>
+              <a:ext uri="{FF2B5EF4-FFF2-40B4-BE49-F238E27FC236}">
+                <a16:creationId xmlns:a16="http://schemas.microsoft.com/office/drawing/2014/main" id="{36F26AFD-250D-4AAF-8A72-41481352CD38}"/>
+              </a:ext>
+            </a:extLst>
+          </p:cNvPr>
+          <p:cNvSpPr>
+            <a:spLocks noGrp="1"/>
+          </p:cNvSpPr>
+          <p:nvPr>
+            <p:ph idx="1"/>
+          </p:nvPr>
+        </p:nvSpPr>
+        <p:spPr/>
+        <p:txBody>
+          <a:bodyPr/>
+          <a:lstStyle/>
+          <a:p>
+            <a:endParaRPr lang="en-US"/>
+          </a:p>
+        </p:txBody>
+      </p:sp>
+    </p:spTree>
+    <p:extLst>
+      <p:ext uri="{BB962C8B-B14F-4D97-AF65-F5344CB8AC3E}">
+        <p14:creationId xmlns:p14="http://schemas.microsoft.com/office/powerpoint/2010/main" val="3769984980"/>
+      </p:ext>
+    </p:extLst>
+  </p:cSld>
+  <p:clrMapOvr>
+    <a:masterClrMapping/>
+  </p:clrMapOvr>
+</p:sld>
+</file>
+
+<file path=ppt/slides/slide25.xml><?xml version="1.0" encoding="utf-8"?>
+<p:sld xmlns:a="http://schemas.openxmlformats.org/drawingml/2006/main" xmlns:r="http://schemas.openxmlformats.org/officeDocument/2006/relationships" xmlns:p="http://schemas.openxmlformats.org/presentationml/2006/main">
+  <p:cSld>
+    <p:spTree>
+      <p:nvGrpSpPr>
+        <p:cNvPr id="1" name=""/>
+        <p:cNvGrpSpPr/>
+        <p:nvPr/>
+      </p:nvGrpSpPr>
+      <p:grpSpPr>
+        <a:xfrm>
+          <a:off x="0" y="0"/>
+          <a:ext cx="0" cy="0"/>
+          <a:chOff x="0" y="0"/>
+          <a:chExt cx="0" cy="0"/>
+        </a:xfrm>
+      </p:grpSpPr>
+      <p:sp>
+        <p:nvSpPr>
+          <p:cNvPr id="2" name="Title 1">
+            <a:extLst>
+              <a:ext uri="{FF2B5EF4-FFF2-40B4-BE49-F238E27FC236}">
+                <a16:creationId xmlns:a16="http://schemas.microsoft.com/office/drawing/2014/main" id="{5F5BBE1F-0F10-49E5-989F-70AB20FF8C86}"/>
+              </a:ext>
+            </a:extLst>
+          </p:cNvPr>
+          <p:cNvSpPr>
+            <a:spLocks noGrp="1"/>
+          </p:cNvSpPr>
+          <p:nvPr>
+            <p:ph type="title"/>
+          </p:nvPr>
+        </p:nvSpPr>
+        <p:spPr/>
+        <p:txBody>
+          <a:bodyPr/>
+          <a:lstStyle/>
+          <a:p>
+            <a:endParaRPr lang="en-US"/>
+          </a:p>
+        </p:txBody>
+      </p:sp>
+      <p:sp>
+        <p:nvSpPr>
+          <p:cNvPr id="3" name="Content Placeholder 2">
+            <a:extLst>
+              <a:ext uri="{FF2B5EF4-FFF2-40B4-BE49-F238E27FC236}">
+                <a16:creationId xmlns:a16="http://schemas.microsoft.com/office/drawing/2014/main" id="{42BEF3AD-1846-4166-B322-1E4938CA741A}"/>
+              </a:ext>
+            </a:extLst>
+          </p:cNvPr>
+          <p:cNvSpPr>
+            <a:spLocks noGrp="1"/>
+          </p:cNvSpPr>
+          <p:nvPr>
+            <p:ph idx="1"/>
+          </p:nvPr>
+        </p:nvSpPr>
+        <p:spPr/>
+        <p:txBody>
+          <a:bodyPr/>
+          <a:lstStyle/>
+          <a:p>
+            <a:endParaRPr lang="en-US"/>
+          </a:p>
+        </p:txBody>
+      </p:sp>
+    </p:spTree>
+    <p:extLst>
+      <p:ext uri="{BB962C8B-B14F-4D97-AF65-F5344CB8AC3E}">
+        <p14:creationId xmlns:p14="http://schemas.microsoft.com/office/powerpoint/2010/main" val="3584358126"/>
+      </p:ext>
+    </p:extLst>
+  </p:cSld>
+  <p:clrMapOvr>
+    <a:masterClrMapping/>
+  </p:clrMapOvr>
+</p:sld>
+</file>
+
+<file path=ppt/slides/slide26.xml><?xml version="1.0" encoding="utf-8"?>
+<p:sld xmlns:a="http://schemas.openxmlformats.org/drawingml/2006/main" xmlns:r="http://schemas.openxmlformats.org/officeDocument/2006/relationships" xmlns:p="http://schemas.openxmlformats.org/presentationml/2006/main">
+  <p:cSld>
+    <p:spTree>
+      <p:nvGrpSpPr>
+        <p:cNvPr id="1" name=""/>
+        <p:cNvGrpSpPr/>
+        <p:nvPr/>
+      </p:nvGrpSpPr>
+      <p:grpSpPr>
+        <a:xfrm>
+          <a:off x="0" y="0"/>
+          <a:ext cx="0" cy="0"/>
+          <a:chOff x="0" y="0"/>
+          <a:chExt cx="0" cy="0"/>
+        </a:xfrm>
+      </p:grpSpPr>
+      <p:sp>
+        <p:nvSpPr>
+          <p:cNvPr id="2" name="Title 1">
+            <a:extLst>
+              <a:ext uri="{FF2B5EF4-FFF2-40B4-BE49-F238E27FC236}">
+                <a16:creationId xmlns:a16="http://schemas.microsoft.com/office/drawing/2014/main" id="{C592798A-2D37-419D-B968-E496B6C7117C}"/>
+              </a:ext>
+            </a:extLst>
+          </p:cNvPr>
+          <p:cNvSpPr>
+            <a:spLocks noGrp="1"/>
+          </p:cNvSpPr>
+          <p:nvPr>
+            <p:ph type="title"/>
+          </p:nvPr>
+        </p:nvSpPr>
+        <p:spPr/>
+        <p:txBody>
+          <a:bodyPr/>
+          <a:lstStyle/>
+          <a:p>
+            <a:endParaRPr lang="en-US"/>
+          </a:p>
+        </p:txBody>
+      </p:sp>
+      <p:sp>
+        <p:nvSpPr>
+          <p:cNvPr id="3" name="Content Placeholder 2">
+            <a:extLst>
+              <a:ext uri="{FF2B5EF4-FFF2-40B4-BE49-F238E27FC236}">
+                <a16:creationId xmlns:a16="http://schemas.microsoft.com/office/drawing/2014/main" id="{E310C88C-2F70-4693-B400-C03B42B607AA}"/>
+              </a:ext>
+            </a:extLst>
+          </p:cNvPr>
+          <p:cNvSpPr>
+            <a:spLocks noGrp="1"/>
+          </p:cNvSpPr>
+          <p:nvPr>
+            <p:ph idx="1"/>
+          </p:nvPr>
+        </p:nvSpPr>
+        <p:spPr/>
+        <p:txBody>
+          <a:bodyPr/>
+          <a:lstStyle/>
+          <a:p>
+            <a:endParaRPr lang="en-US"/>
+          </a:p>
+        </p:txBody>
+      </p:sp>
+    </p:spTree>
+    <p:extLst>
+      <p:ext uri="{BB962C8B-B14F-4D97-AF65-F5344CB8AC3E}">
+        <p14:creationId xmlns:p14="http://schemas.microsoft.com/office/powerpoint/2010/main" val="3221674568"/>
+      </p:ext>
+    </p:extLst>
+  </p:cSld>
+  <p:clrMapOvr>
+    <a:masterClrMapping/>
+  </p:clrMapOvr>
+</p:sld>
+</file>
+
 <file path=ppt/slides/slide3.xml><?xml version="1.0" encoding="utf-8"?>
 <p:sld xmlns:a="http://schemas.openxmlformats.org/drawingml/2006/main" xmlns:r="http://schemas.openxmlformats.org/officeDocument/2006/relationships" xmlns:p="http://schemas.openxmlformats.org/presentationml/2006/main">
   <p:cSld>
@@ -5605,7 +7645,7 @@
         </p:blipFill>
         <p:spPr>
           <a:xfrm>
-            <a:off x="666674" y="714144"/>
+            <a:off x="276057" y="705266"/>
             <a:ext cx="7059010" cy="3172268"/>
           </a:xfrm>
           <a:prstGeom prst="rect">
@@ -5627,8 +7667,8 @@
         </p:nvSpPr>
         <p:spPr>
           <a:xfrm>
-            <a:off x="958788" y="4279037"/>
-            <a:ext cx="7590408" cy="369332"/>
+            <a:off x="8256233" y="1914151"/>
+            <a:ext cx="3045041" cy="369332"/>
           </a:xfrm>
           <a:prstGeom prst="rect">
             <a:avLst/>
@@ -5644,6 +7684,211 @@
             <a:r>
               <a:rPr lang="en-US"/>
               <a:t>Đóng và mở php</a:t>
+            </a:r>
+          </a:p>
+        </p:txBody>
+      </p:sp>
+      <p:cxnSp>
+        <p:nvCxnSpPr>
+          <p:cNvPr id="3" name="Straight Arrow Connector 2">
+            <a:extLst>
+              <a:ext uri="{FF2B5EF4-FFF2-40B4-BE49-F238E27FC236}">
+                <a16:creationId xmlns:a16="http://schemas.microsoft.com/office/drawing/2014/main" id="{8EFBCDBD-4B2E-4CDA-8FB3-33DEDAF63E73}"/>
+              </a:ext>
+            </a:extLst>
+          </p:cNvPr>
+          <p:cNvCxnSpPr>
+            <a:cxnSpLocks/>
+          </p:cNvCxnSpPr>
+          <p:nvPr/>
+        </p:nvCxnSpPr>
+        <p:spPr>
+          <a:xfrm>
+            <a:off x="2379216" y="1411550"/>
+            <a:ext cx="5877017" cy="585926"/>
+          </a:xfrm>
+          <a:prstGeom prst="straightConnector1">
+            <a:avLst/>
+          </a:prstGeom>
+          <a:ln>
+            <a:tailEnd type="triangle"/>
+          </a:ln>
+        </p:spPr>
+        <p:style>
+          <a:lnRef idx="1">
+            <a:schemeClr val="dk1"/>
+          </a:lnRef>
+          <a:fillRef idx="0">
+            <a:schemeClr val="dk1"/>
+          </a:fillRef>
+          <a:effectRef idx="0">
+            <a:schemeClr val="dk1"/>
+          </a:effectRef>
+          <a:fontRef idx="minor">
+            <a:schemeClr val="tx1"/>
+          </a:fontRef>
+        </p:style>
+      </p:cxnSp>
+      <p:cxnSp>
+        <p:nvCxnSpPr>
+          <p:cNvPr id="8" name="Straight Arrow Connector 7">
+            <a:extLst>
+              <a:ext uri="{FF2B5EF4-FFF2-40B4-BE49-F238E27FC236}">
+                <a16:creationId xmlns:a16="http://schemas.microsoft.com/office/drawing/2014/main" id="{36ACDC72-9C0B-441A-A509-7A3462873F16}"/>
+              </a:ext>
+            </a:extLst>
+          </p:cNvPr>
+          <p:cNvCxnSpPr>
+            <a:cxnSpLocks/>
+          </p:cNvCxnSpPr>
+          <p:nvPr/>
+        </p:nvCxnSpPr>
+        <p:spPr>
+          <a:xfrm flipV="1">
+            <a:off x="1864311" y="2228295"/>
+            <a:ext cx="6391922" cy="994299"/>
+          </a:xfrm>
+          <a:prstGeom prst="straightConnector1">
+            <a:avLst/>
+          </a:prstGeom>
+          <a:ln>
+            <a:tailEnd type="triangle"/>
+          </a:ln>
+        </p:spPr>
+        <p:style>
+          <a:lnRef idx="1">
+            <a:schemeClr val="dk1"/>
+          </a:lnRef>
+          <a:fillRef idx="0">
+            <a:schemeClr val="dk1"/>
+          </a:fillRef>
+          <a:effectRef idx="0">
+            <a:schemeClr val="dk1"/>
+          </a:effectRef>
+          <a:fontRef idx="minor">
+            <a:schemeClr val="tx1"/>
+          </a:fontRef>
+        </p:style>
+      </p:cxnSp>
+      <p:sp>
+        <p:nvSpPr>
+          <p:cNvPr id="10" name="Rectangle 9">
+            <a:extLst>
+              <a:ext uri="{FF2B5EF4-FFF2-40B4-BE49-F238E27FC236}">
+                <a16:creationId xmlns:a16="http://schemas.microsoft.com/office/drawing/2014/main" id="{B02C1BC8-5C78-4260-87D1-D4DB01D24B3A}"/>
+              </a:ext>
+            </a:extLst>
+          </p:cNvPr>
+          <p:cNvSpPr/>
+          <p:nvPr/>
+        </p:nvSpPr>
+        <p:spPr>
+          <a:xfrm>
+            <a:off x="2059619" y="1643330"/>
+            <a:ext cx="4243527" cy="1153136"/>
+          </a:xfrm>
+          <a:prstGeom prst="rect">
+            <a:avLst/>
+          </a:prstGeom>
+          <a:noFill/>
+        </p:spPr>
+        <p:style>
+          <a:lnRef idx="2">
+            <a:schemeClr val="accent2">
+              <a:shade val="50000"/>
+            </a:schemeClr>
+          </a:lnRef>
+          <a:fillRef idx="1">
+            <a:schemeClr val="accent2"/>
+          </a:fillRef>
+          <a:effectRef idx="0">
+            <a:schemeClr val="accent2"/>
+          </a:effectRef>
+          <a:fontRef idx="minor">
+            <a:schemeClr val="lt1"/>
+          </a:fontRef>
+        </p:style>
+        <p:txBody>
+          <a:bodyPr rtlCol="0" anchor="ctr"/>
+          <a:lstStyle/>
+          <a:p>
+            <a:pPr algn="ctr"/>
+            <a:endParaRPr lang="en-US"/>
+          </a:p>
+        </p:txBody>
+      </p:sp>
+      <p:cxnSp>
+        <p:nvCxnSpPr>
+          <p:cNvPr id="12" name="Straight Arrow Connector 11">
+            <a:extLst>
+              <a:ext uri="{FF2B5EF4-FFF2-40B4-BE49-F238E27FC236}">
+                <a16:creationId xmlns:a16="http://schemas.microsoft.com/office/drawing/2014/main" id="{45808999-0798-43DA-B41B-5BEA9EC06885}"/>
+              </a:ext>
+            </a:extLst>
+          </p:cNvPr>
+          <p:cNvCxnSpPr>
+            <a:cxnSpLocks/>
+          </p:cNvCxnSpPr>
+          <p:nvPr/>
+        </p:nvCxnSpPr>
+        <p:spPr>
+          <a:xfrm>
+            <a:off x="3666478" y="2503503"/>
+            <a:ext cx="159798" cy="2325949"/>
+          </a:xfrm>
+          <a:prstGeom prst="straightConnector1">
+            <a:avLst/>
+          </a:prstGeom>
+          <a:ln>
+            <a:tailEnd type="triangle"/>
+          </a:ln>
+        </p:spPr>
+        <p:style>
+          <a:lnRef idx="1">
+            <a:schemeClr val="dk1"/>
+          </a:lnRef>
+          <a:fillRef idx="0">
+            <a:schemeClr val="dk1"/>
+          </a:fillRef>
+          <a:effectRef idx="0">
+            <a:schemeClr val="dk1"/>
+          </a:effectRef>
+          <a:fontRef idx="minor">
+            <a:schemeClr val="tx1"/>
+          </a:fontRef>
+        </p:style>
+      </p:cxnSp>
+      <p:sp>
+        <p:nvSpPr>
+          <p:cNvPr id="14" name="TextBox 13">
+            <a:extLst>
+              <a:ext uri="{FF2B5EF4-FFF2-40B4-BE49-F238E27FC236}">
+                <a16:creationId xmlns:a16="http://schemas.microsoft.com/office/drawing/2014/main" id="{75B94AF7-A8FB-411B-99BB-0C26B628C44B}"/>
+              </a:ext>
+            </a:extLst>
+          </p:cNvPr>
+          <p:cNvSpPr txBox="1"/>
+          <p:nvPr/>
+        </p:nvSpPr>
+        <p:spPr>
+          <a:xfrm>
+            <a:off x="1438183" y="5027192"/>
+            <a:ext cx="5726097" cy="369332"/>
+          </a:xfrm>
+          <a:prstGeom prst="rect">
+            <a:avLst/>
+          </a:prstGeom>
+          <a:noFill/>
+        </p:spPr>
+        <p:txBody>
+          <a:bodyPr wrap="square" rtlCol="0">
+            <a:spAutoFit/>
+          </a:bodyPr>
+          <a:lstStyle/>
+          <a:p>
+            <a:r>
+              <a:rPr lang="en-US"/>
+              <a:t>Khu vực lập trình của php</a:t>
             </a:r>
           </a:p>
         </p:txBody>

--- a/Các khái niệm cơ bản của PHP.pptx
+++ b/Các khái niệm cơ bản của PHP.pptx
@@ -3419,7 +3419,7 @@
           <a:lstStyle/>
           <a:p>
             <a:r>
-              <a:rPr lang="en-US"/>
+              <a:rPr lang="en-US" dirty="0"/>
               <a:t>https://www.youtube.com/watch?v=JzFeAHU2Yvo&amp;list=PLaevEBkXyvnXEMoe6ZHFJGjPDb_eCCVNc</a:t>
             </a:r>
           </a:p>
@@ -6021,6 +6021,100 @@
           </a:p>
         </p:txBody>
       </p:sp>
+      <p:sp>
+        <p:nvSpPr>
+          <p:cNvPr id="3" name="TextBox 2"/>
+          <p:cNvSpPr txBox="1"/>
+          <p:nvPr/>
+        </p:nvSpPr>
+        <p:spPr>
+          <a:xfrm>
+            <a:off x="5081954" y="4677508"/>
+            <a:ext cx="6488723" cy="369332"/>
+          </a:xfrm>
+          <a:prstGeom prst="rect">
+            <a:avLst/>
+          </a:prstGeom>
+          <a:noFill/>
+        </p:spPr>
+        <p:txBody>
+          <a:bodyPr wrap="square" rtlCol="0">
+            <a:spAutoFit/>
+          </a:bodyPr>
+          <a:lstStyle/>
+          <a:p>
+            <a:r>
+              <a:rPr lang="en-US" dirty="0" smtClean="0"/>
+              <a:t>Echo </a:t>
+            </a:r>
+            <a:r>
+              <a:rPr lang="en-US" dirty="0" err="1" smtClean="0"/>
+              <a:t>sẽ</a:t>
+            </a:r>
+            <a:r>
+              <a:rPr lang="en-US" dirty="0" smtClean="0"/>
+              <a:t> </a:t>
+            </a:r>
+            <a:r>
+              <a:rPr lang="en-US" dirty="0" err="1" smtClean="0"/>
+              <a:t>đếm</a:t>
+            </a:r>
+            <a:r>
+              <a:rPr lang="en-US" dirty="0" smtClean="0"/>
+              <a:t> </a:t>
+            </a:r>
+            <a:r>
+              <a:rPr lang="en-US" dirty="0" err="1" smtClean="0"/>
+              <a:t>là</a:t>
+            </a:r>
+            <a:r>
+              <a:rPr lang="en-US" dirty="0" smtClean="0"/>
+              <a:t> 5 </a:t>
+            </a:r>
+            <a:r>
+              <a:rPr lang="en-US" dirty="0" err="1" smtClean="0"/>
+              <a:t>là</a:t>
+            </a:r>
+            <a:r>
+              <a:rPr lang="en-US" dirty="0" smtClean="0"/>
+              <a:t> print </a:t>
+            </a:r>
+            <a:r>
+              <a:rPr lang="en-US" dirty="0" err="1" smtClean="0"/>
+              <a:t>thì</a:t>
+            </a:r>
+            <a:r>
+              <a:rPr lang="en-US" dirty="0" smtClean="0"/>
+              <a:t> </a:t>
+            </a:r>
+            <a:r>
+              <a:rPr lang="en-US" dirty="0" err="1" smtClean="0"/>
+              <a:t>sẽ</a:t>
+            </a:r>
+            <a:r>
+              <a:rPr lang="en-US" dirty="0" smtClean="0"/>
+              <a:t> </a:t>
+            </a:r>
+            <a:r>
+              <a:rPr lang="en-US" dirty="0" err="1" smtClean="0"/>
+              <a:t>đếm</a:t>
+            </a:r>
+            <a:r>
+              <a:rPr lang="en-US" dirty="0" smtClean="0"/>
+              <a:t> </a:t>
+            </a:r>
+            <a:r>
+              <a:rPr lang="en-US" dirty="0" err="1" smtClean="0"/>
+              <a:t>là</a:t>
+            </a:r>
+            <a:r>
+              <a:rPr lang="en-US" dirty="0" smtClean="0"/>
+              <a:t> 1.</a:t>
+            </a:r>
+            <a:endParaRPr lang="en-US" dirty="0"/>
+          </a:p>
+        </p:txBody>
+      </p:sp>
     </p:spTree>
     <p:extLst>
       <p:ext uri="{BB962C8B-B14F-4D97-AF65-F5344CB8AC3E}">
@@ -6067,37 +6161,405 @@
             <p:ph type="title"/>
           </p:nvPr>
         </p:nvSpPr>
-        <p:spPr/>
-        <p:txBody>
-          <a:bodyPr/>
-          <a:lstStyle/>
-          <a:p>
-            <a:endParaRPr lang="en-US"/>
-          </a:p>
-        </p:txBody>
-      </p:sp>
-      <p:sp>
-        <p:nvSpPr>
-          <p:cNvPr id="3" name="Content Placeholder 2">
-            <a:extLst>
-              <a:ext uri="{FF2B5EF4-FFF2-40B4-BE49-F238E27FC236}">
-                <a16:creationId xmlns:a16="http://schemas.microsoft.com/office/drawing/2014/main" id="{D005B082-65BF-491A-B818-4AE4E3718A1F}"/>
-              </a:ext>
-            </a:extLst>
-          </p:cNvPr>
-          <p:cNvSpPr>
-            <a:spLocks noGrp="1"/>
-          </p:cNvSpPr>
+        <p:spPr>
+          <a:xfrm>
+            <a:off x="0" y="1"/>
+            <a:ext cx="10172700" cy="773722"/>
+          </a:xfrm>
+        </p:spPr>
+        <p:txBody>
+          <a:bodyPr>
+            <a:normAutofit/>
+          </a:bodyPr>
+          <a:lstStyle/>
+          <a:p>
+            <a:r>
+              <a:rPr lang="en-US" dirty="0" err="1" smtClean="0"/>
+              <a:t>Bài</a:t>
+            </a:r>
+            <a:r>
+              <a:rPr lang="en-US" dirty="0" smtClean="0"/>
+              <a:t> 11: </a:t>
+            </a:r>
+            <a:r>
+              <a:rPr lang="en-US" dirty="0" err="1" smtClean="0"/>
+              <a:t>Câu</a:t>
+            </a:r>
+            <a:r>
+              <a:rPr lang="en-US" dirty="0" smtClean="0"/>
+              <a:t> </a:t>
+            </a:r>
+            <a:r>
+              <a:rPr lang="en-US" dirty="0" err="1" smtClean="0"/>
+              <a:t>lệnh</a:t>
+            </a:r>
+            <a:r>
+              <a:rPr lang="en-US" dirty="0" smtClean="0"/>
+              <a:t> If-else, </a:t>
+            </a:r>
+            <a:r>
+              <a:rPr lang="en-US" dirty="0" err="1" smtClean="0"/>
+              <a:t>câu</a:t>
+            </a:r>
+            <a:r>
+              <a:rPr lang="en-US" dirty="0" smtClean="0"/>
+              <a:t> </a:t>
+            </a:r>
+            <a:r>
+              <a:rPr lang="en-US" dirty="0" err="1" smtClean="0"/>
+              <a:t>lệnh</a:t>
+            </a:r>
+            <a:r>
+              <a:rPr lang="en-US" dirty="0" smtClean="0"/>
+              <a:t> Else-if.</a:t>
+            </a:r>
+            <a:endParaRPr lang="en-US" dirty="0"/>
+          </a:p>
+        </p:txBody>
+      </p:sp>
+      <p:pic>
+        <p:nvPicPr>
+          <p:cNvPr id="4" name="Content Placeholder 3"/>
+          <p:cNvPicPr>
+            <a:picLocks noGrp="1" noChangeAspect="1"/>
+          </p:cNvPicPr>
           <p:nvPr>
             <p:ph idx="1"/>
           </p:nvPr>
-        </p:nvSpPr>
-        <p:spPr/>
-        <p:txBody>
-          <a:bodyPr/>
-          <a:lstStyle/>
-          <a:p>
-            <a:endParaRPr lang="en-US"/>
+        </p:nvPicPr>
+        <p:blipFill>
+          <a:blip r:embed="rId2"/>
+          <a:stretch>
+            <a:fillRect/>
+          </a:stretch>
+        </p:blipFill>
+        <p:spPr>
+          <a:xfrm>
+            <a:off x="393923" y="1143055"/>
+            <a:ext cx="3772426" cy="2553056"/>
+          </a:xfrm>
+          <a:prstGeom prst="rect">
+            <a:avLst/>
+          </a:prstGeom>
+        </p:spPr>
+      </p:pic>
+      <p:sp>
+        <p:nvSpPr>
+          <p:cNvPr id="8" name="TextBox 7"/>
+          <p:cNvSpPr txBox="1"/>
+          <p:nvPr/>
+        </p:nvSpPr>
+        <p:spPr>
+          <a:xfrm>
+            <a:off x="393923" y="773723"/>
+            <a:ext cx="3772427" cy="369332"/>
+          </a:xfrm>
+          <a:prstGeom prst="rect">
+            <a:avLst/>
+          </a:prstGeom>
+          <a:noFill/>
+        </p:spPr>
+        <p:txBody>
+          <a:bodyPr wrap="square" rtlCol="0">
+            <a:spAutoFit/>
+          </a:bodyPr>
+          <a:lstStyle/>
+          <a:p>
+            <a:r>
+              <a:rPr lang="en-US" dirty="0" err="1" smtClean="0"/>
+              <a:t>Cú</a:t>
+            </a:r>
+            <a:r>
+              <a:rPr lang="en-US" dirty="0" smtClean="0"/>
+              <a:t> </a:t>
+            </a:r>
+            <a:r>
+              <a:rPr lang="en-US" dirty="0" err="1" smtClean="0"/>
+              <a:t>pháp</a:t>
+            </a:r>
+            <a:r>
+              <a:rPr lang="en-US" dirty="0" smtClean="0"/>
+              <a:t> </a:t>
+            </a:r>
+            <a:r>
+              <a:rPr lang="en-US" dirty="0" err="1" smtClean="0"/>
+              <a:t>của</a:t>
+            </a:r>
+            <a:r>
+              <a:rPr lang="en-US" dirty="0" smtClean="0"/>
+              <a:t> </a:t>
+            </a:r>
+            <a:r>
+              <a:rPr lang="en-US" dirty="0" err="1" smtClean="0"/>
+              <a:t>câu</a:t>
+            </a:r>
+            <a:r>
+              <a:rPr lang="en-US" dirty="0" smtClean="0"/>
+              <a:t> </a:t>
+            </a:r>
+            <a:r>
+              <a:rPr lang="en-US" dirty="0" err="1" smtClean="0"/>
+              <a:t>lệnh</a:t>
+            </a:r>
+            <a:r>
+              <a:rPr lang="en-US" dirty="0" smtClean="0"/>
+              <a:t>.</a:t>
+            </a:r>
+            <a:endParaRPr lang="en-US" dirty="0"/>
+          </a:p>
+        </p:txBody>
+      </p:sp>
+      <p:pic>
+        <p:nvPicPr>
+          <p:cNvPr id="9" name="Picture 8"/>
+          <p:cNvPicPr>
+            <a:picLocks noChangeAspect="1"/>
+          </p:cNvPicPr>
+          <p:nvPr/>
+        </p:nvPicPr>
+        <p:blipFill>
+          <a:blip r:embed="rId3"/>
+          <a:stretch>
+            <a:fillRect/>
+          </a:stretch>
+        </p:blipFill>
+        <p:spPr>
+          <a:xfrm>
+            <a:off x="393923" y="3886200"/>
+            <a:ext cx="4520977" cy="2699237"/>
+          </a:xfrm>
+          <a:prstGeom prst="rect">
+            <a:avLst/>
+          </a:prstGeom>
+        </p:spPr>
+      </p:pic>
+      <p:pic>
+        <p:nvPicPr>
+          <p:cNvPr id="10" name="Picture 9"/>
+          <p:cNvPicPr>
+            <a:picLocks noChangeAspect="1"/>
+          </p:cNvPicPr>
+          <p:nvPr/>
+        </p:nvPicPr>
+        <p:blipFill>
+          <a:blip r:embed="rId4"/>
+          <a:stretch>
+            <a:fillRect/>
+          </a:stretch>
+        </p:blipFill>
+        <p:spPr>
+          <a:xfrm>
+            <a:off x="6271854" y="3991707"/>
+            <a:ext cx="5134692" cy="2653895"/>
+          </a:xfrm>
+          <a:prstGeom prst="rect">
+            <a:avLst/>
+          </a:prstGeom>
+        </p:spPr>
+      </p:pic>
+      <p:sp>
+        <p:nvSpPr>
+          <p:cNvPr id="12" name="TextBox 11"/>
+          <p:cNvSpPr txBox="1"/>
+          <p:nvPr/>
+        </p:nvSpPr>
+        <p:spPr>
+          <a:xfrm>
+            <a:off x="5064369" y="1143055"/>
+            <a:ext cx="7007469" cy="646331"/>
+          </a:xfrm>
+          <a:prstGeom prst="rect">
+            <a:avLst/>
+          </a:prstGeom>
+          <a:noFill/>
+        </p:spPr>
+        <p:txBody>
+          <a:bodyPr wrap="square" rtlCol="0">
+            <a:spAutoFit/>
+          </a:bodyPr>
+          <a:lstStyle/>
+          <a:p>
+            <a:r>
+              <a:rPr lang="en-US" dirty="0" err="1" smtClean="0"/>
+              <a:t>Nếu</a:t>
+            </a:r>
+            <a:r>
+              <a:rPr lang="en-US" dirty="0" smtClean="0"/>
+              <a:t> </a:t>
+            </a:r>
+            <a:r>
+              <a:rPr lang="en-US" dirty="0" err="1" smtClean="0"/>
+              <a:t>thỏa</a:t>
+            </a:r>
+            <a:r>
+              <a:rPr lang="en-US" dirty="0" smtClean="0"/>
+              <a:t> </a:t>
+            </a:r>
+            <a:r>
+              <a:rPr lang="en-US" dirty="0" err="1" smtClean="0"/>
+              <a:t>mãn</a:t>
+            </a:r>
+            <a:r>
+              <a:rPr lang="en-US" dirty="0" smtClean="0"/>
+              <a:t> </a:t>
+            </a:r>
+            <a:r>
+              <a:rPr lang="en-US" dirty="0" err="1" smtClean="0"/>
+              <a:t>thì</a:t>
+            </a:r>
+            <a:r>
+              <a:rPr lang="en-US" dirty="0" smtClean="0"/>
+              <a:t> </a:t>
+            </a:r>
+            <a:r>
+              <a:rPr lang="en-US" dirty="0" err="1" smtClean="0"/>
+              <a:t>thực</a:t>
+            </a:r>
+            <a:r>
+              <a:rPr lang="en-US" dirty="0" smtClean="0"/>
+              <a:t> </a:t>
+            </a:r>
+            <a:r>
+              <a:rPr lang="en-US" dirty="0" err="1" smtClean="0"/>
+              <a:t>hiện</a:t>
+            </a:r>
+            <a:r>
+              <a:rPr lang="en-US" dirty="0" smtClean="0"/>
+              <a:t> </a:t>
+            </a:r>
+            <a:r>
+              <a:rPr lang="en-US" dirty="0" err="1" smtClean="0"/>
+              <a:t>khối</a:t>
+            </a:r>
+            <a:r>
+              <a:rPr lang="en-US" dirty="0" smtClean="0"/>
+              <a:t> </a:t>
+            </a:r>
+            <a:r>
+              <a:rPr lang="en-US" dirty="0" err="1" smtClean="0"/>
+              <a:t>lệnh</a:t>
+            </a:r>
+            <a:r>
+              <a:rPr lang="en-US" dirty="0" smtClean="0"/>
+              <a:t> </a:t>
+            </a:r>
+            <a:r>
+              <a:rPr lang="en-US" dirty="0" err="1" smtClean="0"/>
+              <a:t>bên</a:t>
+            </a:r>
+            <a:r>
+              <a:rPr lang="en-US" dirty="0" smtClean="0"/>
+              <a:t> </a:t>
+            </a:r>
+            <a:r>
+              <a:rPr lang="en-US" dirty="0" err="1" smtClean="0"/>
+              <a:t>trong</a:t>
+            </a:r>
+            <a:r>
+              <a:rPr lang="en-US" dirty="0" smtClean="0"/>
+              <a:t> </a:t>
+            </a:r>
+            <a:r>
+              <a:rPr lang="en-US" dirty="0" err="1" smtClean="0"/>
+              <a:t>dấu</a:t>
+            </a:r>
+            <a:r>
+              <a:rPr lang="en-US" dirty="0" smtClean="0"/>
+              <a:t> </a:t>
+            </a:r>
+            <a:r>
+              <a:rPr lang="en-US" dirty="0" err="1" smtClean="0"/>
+              <a:t>ngoặc</a:t>
+            </a:r>
+            <a:r>
+              <a:rPr lang="en-US" dirty="0" smtClean="0"/>
+              <a:t> </a:t>
+            </a:r>
+            <a:r>
+              <a:rPr lang="en-US" dirty="0" err="1" smtClean="0"/>
+              <a:t>kép</a:t>
+            </a:r>
+            <a:r>
+              <a:rPr lang="en-US" dirty="0" smtClean="0"/>
+              <a:t>, </a:t>
+            </a:r>
+            <a:r>
+              <a:rPr lang="en-US" dirty="0" err="1" smtClean="0"/>
+              <a:t>nếu</a:t>
+            </a:r>
+            <a:r>
+              <a:rPr lang="en-US" dirty="0" smtClean="0"/>
+              <a:t> </a:t>
+            </a:r>
+            <a:r>
+              <a:rPr lang="en-US" dirty="0" err="1" smtClean="0"/>
+              <a:t>điều</a:t>
+            </a:r>
+            <a:r>
+              <a:rPr lang="en-US" dirty="0" smtClean="0"/>
+              <a:t> </a:t>
+            </a:r>
+            <a:r>
+              <a:rPr lang="en-US" dirty="0" err="1" smtClean="0"/>
+              <a:t>kiện</a:t>
+            </a:r>
+            <a:r>
+              <a:rPr lang="en-US" dirty="0" smtClean="0"/>
+              <a:t> </a:t>
+            </a:r>
+            <a:r>
+              <a:rPr lang="en-US" dirty="0" err="1" smtClean="0"/>
+              <a:t>sai</a:t>
+            </a:r>
+            <a:r>
+              <a:rPr lang="en-US" dirty="0" smtClean="0"/>
+              <a:t> </a:t>
+            </a:r>
+            <a:r>
+              <a:rPr lang="en-US" dirty="0" err="1" smtClean="0"/>
+              <a:t>thì</a:t>
+            </a:r>
+            <a:r>
+              <a:rPr lang="en-US" dirty="0" smtClean="0"/>
+              <a:t> </a:t>
+            </a:r>
+            <a:r>
+              <a:rPr lang="en-US" dirty="0" err="1" smtClean="0"/>
+              <a:t>ko</a:t>
+            </a:r>
+            <a:r>
+              <a:rPr lang="en-US" dirty="0" smtClean="0"/>
+              <a:t> </a:t>
+            </a:r>
+            <a:r>
+              <a:rPr lang="en-US" dirty="0" err="1" smtClean="0"/>
+              <a:t>thực</a:t>
+            </a:r>
+            <a:r>
+              <a:rPr lang="en-US" dirty="0" smtClean="0"/>
+              <a:t> </a:t>
+            </a:r>
+            <a:r>
+              <a:rPr lang="en-US" dirty="0" err="1" smtClean="0"/>
+              <a:t>hiện</a:t>
+            </a:r>
+            <a:r>
+              <a:rPr lang="en-US" dirty="0" smtClean="0"/>
+              <a:t> </a:t>
+            </a:r>
+            <a:r>
+              <a:rPr lang="en-US" dirty="0" err="1" smtClean="0"/>
+              <a:t>khối</a:t>
+            </a:r>
+            <a:r>
+              <a:rPr lang="en-US" dirty="0" smtClean="0"/>
+              <a:t> </a:t>
+            </a:r>
+            <a:r>
+              <a:rPr lang="en-US" dirty="0" err="1" smtClean="0"/>
+              <a:t>lệnh</a:t>
+            </a:r>
+            <a:endParaRPr lang="en-US" dirty="0"/>
           </a:p>
         </p:txBody>
       </p:sp>
@@ -6131,53 +6593,89 @@
           <a:chExt cx="0" cy="0"/>
         </a:xfrm>
       </p:grpSpPr>
-      <p:sp>
-        <p:nvSpPr>
-          <p:cNvPr id="2" name="Title 1">
-            <a:extLst>
-              <a:ext uri="{FF2B5EF4-FFF2-40B4-BE49-F238E27FC236}">
-                <a16:creationId xmlns:a16="http://schemas.microsoft.com/office/drawing/2014/main" id="{62219314-7CD9-4195-8B10-785E2659E0B8}"/>
-              </a:ext>
-            </a:extLst>
-          </p:cNvPr>
-          <p:cNvSpPr>
-            <a:spLocks noGrp="1"/>
-          </p:cNvSpPr>
-          <p:nvPr>
-            <p:ph type="title"/>
-          </p:nvPr>
-        </p:nvSpPr>
-        <p:spPr/>
-        <p:txBody>
-          <a:bodyPr/>
-          <a:lstStyle/>
-          <a:p>
-            <a:endParaRPr lang="en-US"/>
-          </a:p>
-        </p:txBody>
-      </p:sp>
-      <p:sp>
-        <p:nvSpPr>
-          <p:cNvPr id="3" name="Content Placeholder 2">
-            <a:extLst>
-              <a:ext uri="{FF2B5EF4-FFF2-40B4-BE49-F238E27FC236}">
-                <a16:creationId xmlns:a16="http://schemas.microsoft.com/office/drawing/2014/main" id="{1CF657E8-EA06-48AE-8972-BE449AB7D404}"/>
-              </a:ext>
-            </a:extLst>
-          </p:cNvPr>
-          <p:cNvSpPr>
-            <a:spLocks noGrp="1"/>
-          </p:cNvSpPr>
-          <p:nvPr>
-            <p:ph idx="1"/>
-          </p:nvPr>
-        </p:nvSpPr>
-        <p:spPr/>
-        <p:txBody>
-          <a:bodyPr/>
-          <a:lstStyle/>
-          <a:p>
-            <a:endParaRPr lang="en-US"/>
+      <p:pic>
+        <p:nvPicPr>
+          <p:cNvPr id="4" name="Picture 3"/>
+          <p:cNvPicPr>
+            <a:picLocks noChangeAspect="1"/>
+          </p:cNvPicPr>
+          <p:nvPr/>
+        </p:nvPicPr>
+        <p:blipFill>
+          <a:blip r:embed="rId2"/>
+          <a:stretch>
+            <a:fillRect/>
+          </a:stretch>
+        </p:blipFill>
+        <p:spPr>
+          <a:xfrm>
+            <a:off x="419162" y="410813"/>
+            <a:ext cx="4372585" cy="3258005"/>
+          </a:xfrm>
+          <a:prstGeom prst="rect">
+            <a:avLst/>
+          </a:prstGeom>
+        </p:spPr>
+      </p:pic>
+      <p:sp>
+        <p:nvSpPr>
+          <p:cNvPr id="5" name="TextBox 4"/>
+          <p:cNvSpPr txBox="1"/>
+          <p:nvPr/>
+        </p:nvSpPr>
+        <p:spPr>
+          <a:xfrm>
+            <a:off x="5240216" y="410813"/>
+            <a:ext cx="3059723" cy="369332"/>
+          </a:xfrm>
+          <a:prstGeom prst="rect">
+            <a:avLst/>
+          </a:prstGeom>
+          <a:noFill/>
+        </p:spPr>
+        <p:txBody>
+          <a:bodyPr wrap="square" rtlCol="0">
+            <a:spAutoFit/>
+          </a:bodyPr>
+          <a:lstStyle/>
+          <a:p>
+            <a:r>
+              <a:rPr lang="en-US" dirty="0" err="1" smtClean="0"/>
+              <a:t>Giống</a:t>
+            </a:r>
+            <a:r>
+              <a:rPr lang="en-US" dirty="0" smtClean="0"/>
+              <a:t> </a:t>
+            </a:r>
+            <a:r>
+              <a:rPr lang="en-US" dirty="0" err="1" smtClean="0"/>
+              <a:t>cấu</a:t>
+            </a:r>
+            <a:r>
+              <a:rPr lang="en-US" dirty="0" smtClean="0"/>
+              <a:t> </a:t>
+            </a:r>
+            <a:r>
+              <a:rPr lang="en-US" dirty="0" err="1" smtClean="0"/>
+              <a:t>trúc</a:t>
+            </a:r>
+            <a:r>
+              <a:rPr lang="en-US" dirty="0"/>
+              <a:t> </a:t>
+            </a:r>
+            <a:r>
+              <a:rPr lang="en-US" dirty="0" smtClean="0"/>
+              <a:t>If else </a:t>
+            </a:r>
+            <a:r>
+              <a:rPr lang="en-US" dirty="0" err="1" smtClean="0"/>
+              <a:t>trong</a:t>
+            </a:r>
+            <a:r>
+              <a:rPr lang="en-US" dirty="0" smtClean="0"/>
+              <a:t> C#</a:t>
+            </a:r>
+            <a:endParaRPr lang="en-US" dirty="0"/>
           </a:p>
         </p:txBody>
       </p:sp>
@@ -6450,53 +6948,184 @@
           <a:chExt cx="0" cy="0"/>
         </a:xfrm>
       </p:grpSpPr>
-      <p:sp>
-        <p:nvSpPr>
-          <p:cNvPr id="2" name="Title 1">
-            <a:extLst>
-              <a:ext uri="{FF2B5EF4-FFF2-40B4-BE49-F238E27FC236}">
-                <a16:creationId xmlns:a16="http://schemas.microsoft.com/office/drawing/2014/main" id="{4260A0A2-EBDE-4710-BC94-A5F923A00852}"/>
-              </a:ext>
-            </a:extLst>
-          </p:cNvPr>
-          <p:cNvSpPr>
-            <a:spLocks noGrp="1"/>
-          </p:cNvSpPr>
-          <p:nvPr>
-            <p:ph type="title"/>
-          </p:nvPr>
-        </p:nvSpPr>
-        <p:spPr/>
-        <p:txBody>
-          <a:bodyPr/>
-          <a:lstStyle/>
-          <a:p>
-            <a:endParaRPr lang="en-US"/>
-          </a:p>
-        </p:txBody>
-      </p:sp>
-      <p:sp>
-        <p:nvSpPr>
-          <p:cNvPr id="3" name="Content Placeholder 2">
-            <a:extLst>
-              <a:ext uri="{FF2B5EF4-FFF2-40B4-BE49-F238E27FC236}">
-                <a16:creationId xmlns:a16="http://schemas.microsoft.com/office/drawing/2014/main" id="{FE1D6AD2-23A7-4463-949E-B009119836F9}"/>
-              </a:ext>
-            </a:extLst>
-          </p:cNvPr>
-          <p:cNvSpPr>
-            <a:spLocks noGrp="1"/>
-          </p:cNvSpPr>
-          <p:nvPr>
-            <p:ph idx="1"/>
-          </p:nvPr>
-        </p:nvSpPr>
-        <p:spPr/>
-        <p:txBody>
-          <a:bodyPr/>
-          <a:lstStyle/>
-          <a:p>
-            <a:endParaRPr lang="en-US"/>
+      <p:pic>
+        <p:nvPicPr>
+          <p:cNvPr id="4" name="Picture 3"/>
+          <p:cNvPicPr>
+            <a:picLocks noChangeAspect="1"/>
+          </p:cNvPicPr>
+          <p:nvPr/>
+        </p:nvPicPr>
+        <p:blipFill>
+          <a:blip r:embed="rId2"/>
+          <a:stretch>
+            <a:fillRect/>
+          </a:stretch>
+        </p:blipFill>
+        <p:spPr>
+          <a:xfrm>
+            <a:off x="318806" y="168235"/>
+            <a:ext cx="4314739" cy="3902604"/>
+          </a:xfrm>
+          <a:prstGeom prst="rect">
+            <a:avLst/>
+          </a:prstGeom>
+        </p:spPr>
+      </p:pic>
+      <p:pic>
+        <p:nvPicPr>
+          <p:cNvPr id="5" name="Picture 4"/>
+          <p:cNvPicPr>
+            <a:picLocks noChangeAspect="1"/>
+          </p:cNvPicPr>
+          <p:nvPr/>
+        </p:nvPicPr>
+        <p:blipFill>
+          <a:blip r:embed="rId3"/>
+          <a:stretch>
+            <a:fillRect/>
+          </a:stretch>
+        </p:blipFill>
+        <p:spPr>
+          <a:xfrm>
+            <a:off x="7574272" y="1167063"/>
+            <a:ext cx="4305901" cy="1657581"/>
+          </a:xfrm>
+          <a:prstGeom prst="rect">
+            <a:avLst/>
+          </a:prstGeom>
+        </p:spPr>
+      </p:pic>
+      <p:cxnSp>
+        <p:nvCxnSpPr>
+          <p:cNvPr id="7" name="Straight Arrow Connector 6"/>
+          <p:cNvCxnSpPr/>
+          <p:nvPr/>
+        </p:nvCxnSpPr>
+        <p:spPr>
+          <a:xfrm flipV="1">
+            <a:off x="4633545" y="1863970"/>
+            <a:ext cx="2980593" cy="17584"/>
+          </a:xfrm>
+          <a:prstGeom prst="straightConnector1">
+            <a:avLst/>
+          </a:prstGeom>
+          <a:ln>
+            <a:tailEnd type="triangle"/>
+          </a:ln>
+        </p:spPr>
+        <p:style>
+          <a:lnRef idx="1">
+            <a:schemeClr val="dk1"/>
+          </a:lnRef>
+          <a:fillRef idx="0">
+            <a:schemeClr val="dk1"/>
+          </a:fillRef>
+          <a:effectRef idx="0">
+            <a:schemeClr val="dk1"/>
+          </a:effectRef>
+          <a:fontRef idx="minor">
+            <a:schemeClr val="tx1"/>
+          </a:fontRef>
+        </p:style>
+      </p:cxnSp>
+      <p:sp>
+        <p:nvSpPr>
+          <p:cNvPr id="8" name="TextBox 7"/>
+          <p:cNvSpPr txBox="1"/>
+          <p:nvPr/>
+        </p:nvSpPr>
+        <p:spPr>
+          <a:xfrm>
+            <a:off x="5442438" y="1405586"/>
+            <a:ext cx="1055077" cy="369332"/>
+          </a:xfrm>
+          <a:prstGeom prst="rect">
+            <a:avLst/>
+          </a:prstGeom>
+          <a:noFill/>
+        </p:spPr>
+        <p:txBody>
+          <a:bodyPr wrap="square" rtlCol="0">
+            <a:spAutoFit/>
+          </a:bodyPr>
+          <a:lstStyle/>
+          <a:p>
+            <a:r>
+              <a:rPr lang="en-US" dirty="0" err="1" smtClean="0"/>
+              <a:t>Kết</a:t>
+            </a:r>
+            <a:r>
+              <a:rPr lang="en-US" dirty="0" smtClean="0"/>
+              <a:t> </a:t>
+            </a:r>
+            <a:r>
+              <a:rPr lang="en-US" dirty="0" err="1" smtClean="0"/>
+              <a:t>quả</a:t>
+            </a:r>
+            <a:r>
+              <a:rPr lang="en-US" dirty="0" smtClean="0"/>
+              <a:t>.</a:t>
+            </a:r>
+            <a:endParaRPr lang="en-US" dirty="0"/>
+          </a:p>
+        </p:txBody>
+      </p:sp>
+      <p:sp>
+        <p:nvSpPr>
+          <p:cNvPr id="9" name="TextBox 8"/>
+          <p:cNvSpPr txBox="1"/>
+          <p:nvPr/>
+        </p:nvSpPr>
+        <p:spPr>
+          <a:xfrm>
+            <a:off x="7746023" y="2639978"/>
+            <a:ext cx="2866292" cy="369332"/>
+          </a:xfrm>
+          <a:prstGeom prst="rect">
+            <a:avLst/>
+          </a:prstGeom>
+          <a:noFill/>
+        </p:spPr>
+        <p:txBody>
+          <a:bodyPr wrap="square" rtlCol="0">
+            <a:spAutoFit/>
+          </a:bodyPr>
+          <a:lstStyle/>
+          <a:p>
+            <a:r>
+              <a:rPr lang="en-US" dirty="0" err="1" smtClean="0"/>
+              <a:t>Câu</a:t>
+            </a:r>
+            <a:r>
+              <a:rPr lang="en-US" dirty="0" smtClean="0"/>
+              <a:t> </a:t>
+            </a:r>
+            <a:r>
+              <a:rPr lang="en-US" dirty="0" err="1" smtClean="0"/>
+              <a:t>lệnh</a:t>
+            </a:r>
+            <a:r>
+              <a:rPr lang="en-US" dirty="0" smtClean="0"/>
+              <a:t> If-else </a:t>
+            </a:r>
+            <a:r>
+              <a:rPr lang="en-US" dirty="0" err="1" smtClean="0"/>
+              <a:t>lồng</a:t>
+            </a:r>
+            <a:r>
+              <a:rPr lang="en-US" dirty="0" smtClean="0"/>
+              <a:t> </a:t>
+            </a:r>
+            <a:r>
+              <a:rPr lang="en-US" dirty="0" err="1" smtClean="0"/>
+              <a:t>nhau</a:t>
+            </a:r>
+            <a:r>
+              <a:rPr lang="en-US" dirty="0" smtClean="0"/>
+              <a:t>.</a:t>
+            </a:r>
+            <a:endParaRPr lang="en-US" dirty="0"/>
           </a:p>
         </p:txBody>
       </p:sp>
@@ -6530,56 +7159,87 @@
           <a:chExt cx="0" cy="0"/>
         </a:xfrm>
       </p:grpSpPr>
-      <p:sp>
-        <p:nvSpPr>
-          <p:cNvPr id="2" name="Title 1">
-            <a:extLst>
-              <a:ext uri="{FF2B5EF4-FFF2-40B4-BE49-F238E27FC236}">
-                <a16:creationId xmlns:a16="http://schemas.microsoft.com/office/drawing/2014/main" id="{97FFF138-51DB-4EBA-8298-AAF841F30F65}"/>
-              </a:ext>
-            </a:extLst>
-          </p:cNvPr>
-          <p:cNvSpPr>
-            <a:spLocks noGrp="1"/>
-          </p:cNvSpPr>
-          <p:nvPr>
-            <p:ph type="title"/>
-          </p:nvPr>
-        </p:nvSpPr>
-        <p:spPr/>
-        <p:txBody>
-          <a:bodyPr/>
-          <a:lstStyle/>
-          <a:p>
-            <a:endParaRPr lang="en-US"/>
-          </a:p>
-        </p:txBody>
-      </p:sp>
-      <p:sp>
-        <p:nvSpPr>
-          <p:cNvPr id="3" name="Content Placeholder 2">
-            <a:extLst>
-              <a:ext uri="{FF2B5EF4-FFF2-40B4-BE49-F238E27FC236}">
-                <a16:creationId xmlns:a16="http://schemas.microsoft.com/office/drawing/2014/main" id="{C325A82C-9C88-404A-8F5C-35D204E0F967}"/>
-              </a:ext>
-            </a:extLst>
-          </p:cNvPr>
-          <p:cNvSpPr>
-            <a:spLocks noGrp="1"/>
-          </p:cNvSpPr>
-          <p:nvPr>
-            <p:ph idx="1"/>
-          </p:nvPr>
-        </p:nvSpPr>
-        <p:spPr/>
-        <p:txBody>
-          <a:bodyPr/>
-          <a:lstStyle/>
-          <a:p>
-            <a:endParaRPr lang="en-US"/>
-          </a:p>
-        </p:txBody>
-      </p:sp>
+      <p:pic>
+        <p:nvPicPr>
+          <p:cNvPr id="4" name="Picture 3"/>
+          <p:cNvPicPr>
+            <a:picLocks noChangeAspect="1"/>
+          </p:cNvPicPr>
+          <p:nvPr/>
+        </p:nvPicPr>
+        <p:blipFill>
+          <a:blip r:embed="rId2"/>
+          <a:stretch>
+            <a:fillRect/>
+          </a:stretch>
+        </p:blipFill>
+        <p:spPr>
+          <a:xfrm>
+            <a:off x="389473" y="216960"/>
+            <a:ext cx="4314412" cy="3651656"/>
+          </a:xfrm>
+          <a:prstGeom prst="rect">
+            <a:avLst/>
+          </a:prstGeom>
+        </p:spPr>
+      </p:pic>
+      <p:pic>
+        <p:nvPicPr>
+          <p:cNvPr id="6" name="Picture 5"/>
+          <p:cNvPicPr>
+            <a:picLocks noChangeAspect="1"/>
+          </p:cNvPicPr>
+          <p:nvPr/>
+        </p:nvPicPr>
+        <p:blipFill>
+          <a:blip r:embed="rId3"/>
+          <a:stretch>
+            <a:fillRect/>
+          </a:stretch>
+        </p:blipFill>
+        <p:spPr>
+          <a:xfrm>
+            <a:off x="7137186" y="304883"/>
+            <a:ext cx="4810796" cy="1562318"/>
+          </a:xfrm>
+          <a:prstGeom prst="rect">
+            <a:avLst/>
+          </a:prstGeom>
+        </p:spPr>
+      </p:pic>
+      <p:cxnSp>
+        <p:nvCxnSpPr>
+          <p:cNvPr id="8" name="Straight Arrow Connector 7"/>
+          <p:cNvCxnSpPr/>
+          <p:nvPr/>
+        </p:nvCxnSpPr>
+        <p:spPr>
+          <a:xfrm flipV="1">
+            <a:off x="4484077" y="1292469"/>
+            <a:ext cx="2787161" cy="17586"/>
+          </a:xfrm>
+          <a:prstGeom prst="straightConnector1">
+            <a:avLst/>
+          </a:prstGeom>
+          <a:ln>
+            <a:tailEnd type="triangle"/>
+          </a:ln>
+        </p:spPr>
+        <p:style>
+          <a:lnRef idx="1">
+            <a:schemeClr val="dk1"/>
+          </a:lnRef>
+          <a:fillRef idx="0">
+            <a:schemeClr val="dk1"/>
+          </a:fillRef>
+          <a:effectRef idx="0">
+            <a:schemeClr val="dk1"/>
+          </a:effectRef>
+          <a:fontRef idx="minor">
+            <a:schemeClr val="tx1"/>
+          </a:fontRef>
+        </p:style>
+      </p:cxnSp>
     </p:spTree>
     <p:extLst>
       <p:ext uri="{BB962C8B-B14F-4D97-AF65-F5344CB8AC3E}">
